--- a/reportCS7000.pptx
+++ b/reportCS7000.pptx
@@ -104,6 +104,11 @@
       </a:defRPr>
     </a:lvl9pPr>
   </p:defaultTextStyle>
+  <p:extLst>
+    <p:ext uri="{EFAFB233-063F-42B5-8137-9DF3F51BA10A}">
+      <p15:sldGuideLst xmlns:p15="http://schemas.microsoft.com/office/powerpoint/2012/main"/>
+    </p:ext>
+  </p:extLst>
 </p:presentation>
 </file>
 
@@ -156,9 +161,9 @@
           <c:invertIfNegative val="0"/>
           <c:cat>
             <c:strRef>
-              <c:f>Sheet1!$D$3:$D$14</c:f>
+              <c:f>Sheet1!$D$3:$D$15</c:f>
               <c:strCache>
-                <c:ptCount val="12"/>
+                <c:ptCount val="13"/>
                 <c:pt idx="0">
                   <c:v>Sattelite Images for Drought Index</c:v>
                 </c:pt>
@@ -181,18 +186,21 @@
                   <c:v>SMT Solvers</c:v>
                 </c:pt>
                 <c:pt idx="7">
+                  <c:v>Reviews for 2 Papers - IEEE Big Data 2018</c:v>
+                </c:pt>
+                <c:pt idx="8">
                   <c:v>WordStreamCVE</c:v>
                 </c:pt>
-                <c:pt idx="8">
+                <c:pt idx="9">
                   <c:v>WatViz (AgasedViz) - Journal EES 2019</c:v>
                 </c:pt>
-                <c:pt idx="9">
+                <c:pt idx="10">
                   <c:v>Rotorcraft</c:v>
                 </c:pt>
-                <c:pt idx="10">
+                <c:pt idx="11">
                   <c:v>Instruction TFJS Examples</c:v>
                 </c:pt>
-                <c:pt idx="11">
+                <c:pt idx="12">
                   <c:v>WordStream Revise - IEEE EuroVis 2019</c:v>
                 </c:pt>
               </c:strCache>
@@ -200,10 +208,10 @@
           </c:cat>
           <c:val>
             <c:numRef>
-              <c:f>Sheet1!$B$3:$B$14</c:f>
+              <c:f>Sheet1!$B$3:$B$15</c:f>
               <c:numCache>
                 <c:formatCode>[$-409]d\-mmm;@</c:formatCode>
-                <c:ptCount val="12"/>
+                <c:ptCount val="13"/>
                 <c:pt idx="0">
                   <c:v>43339</c:v>
                 </c:pt>
@@ -226,18 +234,21 @@
                   <c:v>43405</c:v>
                 </c:pt>
                 <c:pt idx="7">
-                  <c:v>43413</c:v>
+                  <c:v>43408</c:v>
                 </c:pt>
                 <c:pt idx="8">
                   <c:v>43413</c:v>
                 </c:pt>
                 <c:pt idx="9">
-                  <c:v>43420</c:v>
+                  <c:v>43413</c:v>
                 </c:pt>
                 <c:pt idx="10">
                   <c:v>43420</c:v>
                 </c:pt>
                 <c:pt idx="11">
+                  <c:v>43420</c:v>
+                </c:pt>
+                <c:pt idx="12">
                   <c:v>43434</c:v>
                 </c:pt>
               </c:numCache>
@@ -245,16 +256,13 @@
           </c:val>
           <c:extLst>
             <c:ext xmlns:c16="http://schemas.microsoft.com/office/drawing/2014/chart" uri="{C3380CC4-5D6E-409C-BE32-E72D297353CC}">
-              <c16:uniqueId val="{00000000-7AD1-FD4B-B678-D96B1E431278}"/>
+              <c16:uniqueId val="{00000000-232B-9B44-850B-0C351B549E99}"/>
             </c:ext>
           </c:extLst>
         </c:ser>
         <c:ser>
           <c:idx val="1"/>
           <c:order val="1"/>
-          <c:tx>
-            <c:v>Duration</c:v>
-          </c:tx>
           <c:spPr>
             <a:gradFill flip="none" rotWithShape="1">
               <a:gsLst>
@@ -334,7 +342,7 @@
             </c:spPr>
             <c:extLst>
               <c:ext xmlns:c16="http://schemas.microsoft.com/office/drawing/2014/chart" uri="{C3380CC4-5D6E-409C-BE32-E72D297353CC}">
-                <c16:uniqueId val="{00000002-7AD1-FD4B-B678-D96B1E431278}"/>
+                <c16:uniqueId val="{00000002-232B-9B44-850B-0C351B549E99}"/>
               </c:ext>
             </c:extLst>
           </c:dPt>
@@ -383,7 +391,7 @@
             </c:spPr>
             <c:extLst>
               <c:ext xmlns:c16="http://schemas.microsoft.com/office/drawing/2014/chart" uri="{C3380CC4-5D6E-409C-BE32-E72D297353CC}">
-                <c16:uniqueId val="{00000004-7AD1-FD4B-B678-D96B1E431278}"/>
+                <c16:uniqueId val="{00000004-232B-9B44-850B-0C351B549E99}"/>
               </c:ext>
             </c:extLst>
           </c:dPt>
@@ -432,7 +440,7 @@
             </c:spPr>
             <c:extLst>
               <c:ext xmlns:c16="http://schemas.microsoft.com/office/drawing/2014/chart" uri="{C3380CC4-5D6E-409C-BE32-E72D297353CC}">
-                <c16:uniqueId val="{00000006-7AD1-FD4B-B678-D96B1E431278}"/>
+                <c16:uniqueId val="{00000006-232B-9B44-850B-0C351B549E99}"/>
               </c:ext>
             </c:extLst>
           </c:dPt>
@@ -481,7 +489,7 @@
             </c:spPr>
             <c:extLst>
               <c:ext xmlns:c16="http://schemas.microsoft.com/office/drawing/2014/chart" uri="{C3380CC4-5D6E-409C-BE32-E72D297353CC}">
-                <c16:uniqueId val="{00000008-7AD1-FD4B-B678-D96B1E431278}"/>
+                <c16:uniqueId val="{00000008-232B-9B44-850B-0C351B549E99}"/>
               </c:ext>
             </c:extLst>
           </c:dPt>
@@ -530,7 +538,7 @@
             </c:spPr>
             <c:extLst>
               <c:ext xmlns:c16="http://schemas.microsoft.com/office/drawing/2014/chart" uri="{C3380CC4-5D6E-409C-BE32-E72D297353CC}">
-                <c16:uniqueId val="{0000000A-7AD1-FD4B-B678-D96B1E431278}"/>
+                <c16:uniqueId val="{0000000A-232B-9B44-850B-0C351B549E99}"/>
               </c:ext>
             </c:extLst>
           </c:dPt>
@@ -579,7 +587,7 @@
             </c:spPr>
             <c:extLst>
               <c:ext xmlns:c16="http://schemas.microsoft.com/office/drawing/2014/chart" uri="{C3380CC4-5D6E-409C-BE32-E72D297353CC}">
-                <c16:uniqueId val="{0000000C-7AD1-FD4B-B678-D96B1E431278}"/>
+                <c16:uniqueId val="{0000000C-232B-9B44-850B-0C351B549E99}"/>
               </c:ext>
             </c:extLst>
           </c:dPt>
@@ -628,12 +636,12 @@
             </c:spPr>
             <c:extLst>
               <c:ext xmlns:c16="http://schemas.microsoft.com/office/drawing/2014/chart" uri="{C3380CC4-5D6E-409C-BE32-E72D297353CC}">
-                <c16:uniqueId val="{0000000E-7AD1-FD4B-B678-D96B1E431278}"/>
+                <c16:uniqueId val="{0000000E-232B-9B44-850B-0C351B549E99}"/>
               </c:ext>
             </c:extLst>
           </c:dPt>
           <c:dPt>
-            <c:idx val="9"/>
+            <c:idx val="8"/>
             <c:invertIfNegative val="0"/>
             <c:bubble3D val="0"/>
             <c:spPr>
@@ -677,15 +685,64 @@
             </c:spPr>
             <c:extLst>
               <c:ext xmlns:c16="http://schemas.microsoft.com/office/drawing/2014/chart" uri="{C3380CC4-5D6E-409C-BE32-E72D297353CC}">
-                <c16:uniqueId val="{00000010-7AD1-FD4B-B678-D96B1E431278}"/>
+                <c16:uniqueId val="{00000010-232B-9B44-850B-0C351B549E99}"/>
+              </c:ext>
+            </c:extLst>
+          </c:dPt>
+          <c:dPt>
+            <c:idx val="10"/>
+            <c:invertIfNegative val="0"/>
+            <c:bubble3D val="0"/>
+            <c:spPr>
+              <a:gradFill flip="none" rotWithShape="1">
+                <a:gsLst>
+                  <a:gs pos="0">
+                    <a:schemeClr val="accent1">
+                      <a:lumMod val="5000"/>
+                      <a:lumOff val="95000"/>
+                    </a:schemeClr>
+                  </a:gs>
+                  <a:gs pos="73000">
+                    <a:schemeClr val="accent6">
+                      <a:lumMod val="75000"/>
+                    </a:schemeClr>
+                  </a:gs>
+                  <a:gs pos="83000">
+                    <a:schemeClr val="accent6">
+                      <a:lumMod val="75000"/>
+                    </a:schemeClr>
+                  </a:gs>
+                  <a:gs pos="100000">
+                    <a:schemeClr val="accent6">
+                      <a:lumMod val="75000"/>
+                    </a:schemeClr>
+                  </a:gs>
+                </a:gsLst>
+                <a:lin ang="5400000" scaled="1"/>
+                <a:tileRect/>
+              </a:gradFill>
+              <a:ln>
+                <a:noFill/>
+              </a:ln>
+              <a:effectLst>
+                <a:outerShdw blurRad="57150" dist="19050" dir="5400000" algn="ctr" rotWithShape="0">
+                  <a:srgbClr val="000000">
+                    <a:alpha val="63000"/>
+                  </a:srgbClr>
+                </a:outerShdw>
+              </a:effectLst>
+            </c:spPr>
+            <c:extLst>
+              <c:ext xmlns:c16="http://schemas.microsoft.com/office/drawing/2014/chart" uri="{C3380CC4-5D6E-409C-BE32-E72D297353CC}">
+                <c16:uniqueId val="{00000012-232B-9B44-850B-0C351B549E99}"/>
               </c:ext>
             </c:extLst>
           </c:dPt>
           <c:cat>
             <c:strRef>
-              <c:f>Sheet1!$D$3:$D$14</c:f>
+              <c:f>Sheet1!$D$3:$D$15</c:f>
               <c:strCache>
-                <c:ptCount val="12"/>
+                <c:ptCount val="13"/>
                 <c:pt idx="0">
                   <c:v>Sattelite Images for Drought Index</c:v>
                 </c:pt>
@@ -708,18 +765,21 @@
                   <c:v>SMT Solvers</c:v>
                 </c:pt>
                 <c:pt idx="7">
+                  <c:v>Reviews for 2 Papers - IEEE Big Data 2018</c:v>
+                </c:pt>
+                <c:pt idx="8">
                   <c:v>WordStreamCVE</c:v>
                 </c:pt>
-                <c:pt idx="8">
+                <c:pt idx="9">
                   <c:v>WatViz (AgasedViz) - Journal EES 2019</c:v>
                 </c:pt>
-                <c:pt idx="9">
+                <c:pt idx="10">
                   <c:v>Rotorcraft</c:v>
                 </c:pt>
-                <c:pt idx="10">
+                <c:pt idx="11">
                   <c:v>Instruction TFJS Examples</c:v>
                 </c:pt>
-                <c:pt idx="11">
+                <c:pt idx="12">
                   <c:v>WordStream Revise - IEEE EuroVis 2019</c:v>
                 </c:pt>
               </c:strCache>
@@ -727,10 +787,10 @@
           </c:cat>
           <c:val>
             <c:numRef>
-              <c:f>Sheet1!$E$3:$E$14</c:f>
+              <c:f>Sheet1!$E$3:$E$15</c:f>
               <c:numCache>
                 <c:formatCode>General</c:formatCode>
-                <c:ptCount val="12"/>
+                <c:ptCount val="13"/>
                 <c:pt idx="0">
                   <c:v>14</c:v>
                 </c:pt>
@@ -753,18 +813,21 @@
                   <c:v>5</c:v>
                 </c:pt>
                 <c:pt idx="7">
+                  <c:v>3</c:v>
+                </c:pt>
+                <c:pt idx="8">
                   <c:v>1</c:v>
                 </c:pt>
-                <c:pt idx="8">
+                <c:pt idx="9">
                   <c:v>34</c:v>
                 </c:pt>
-                <c:pt idx="9">
+                <c:pt idx="10">
                   <c:v>3</c:v>
                 </c:pt>
-                <c:pt idx="10">
+                <c:pt idx="11">
                   <c:v>27</c:v>
                 </c:pt>
-                <c:pt idx="11">
+                <c:pt idx="12">
                   <c:v>13</c:v>
                 </c:pt>
               </c:numCache>
@@ -772,7 +835,7 @@
           </c:val>
           <c:extLst>
             <c:ext xmlns:c16="http://schemas.microsoft.com/office/drawing/2014/chart" uri="{C3380CC4-5D6E-409C-BE32-E72D297353CC}">
-              <c16:uniqueId val="{00000011-7AD1-FD4B-B678-D96B1E431278}"/>
+              <c16:uniqueId val="{00000013-232B-9B44-850B-0C351B549E99}"/>
             </c:ext>
           </c:extLst>
         </c:ser>
@@ -818,7 +881,7 @@
           <a:lstStyle/>
           <a:p>
             <a:pPr>
-              <a:defRPr sz="1000" b="0" i="0" u="none" strike="noStrike" kern="1200" baseline="0">
+              <a:defRPr sz="900" b="0" i="0" u="none" strike="noStrike" kern="1200" baseline="0">
                 <a:solidFill>
                   <a:schemeClr val="accent4">
                     <a:lumMod val="40000"/>
@@ -1533,30 +1596,30 @@
 <c:userShapes xmlns:c="http://schemas.openxmlformats.org/drawingml/2006/chart">
   <cdr:relSizeAnchor xmlns:cdr="http://schemas.openxmlformats.org/drawingml/2006/chartDrawing">
     <cdr:from>
-      <cdr:x>0.45946</cdr:x>
-      <cdr:y>0.2288</cdr:y>
+      <cdr:x>0.93215</cdr:x>
+      <cdr:y>0.59017</cdr:y>
     </cdr:from>
     <cdr:to>
-      <cdr:x>0.4811</cdr:x>
-      <cdr:y>0.27317</cdr:y>
+      <cdr:x>0.94242</cdr:x>
+      <cdr:y>0.6099</cdr:y>
     </cdr:to>
     <cdr:sp macro="" textlink="">
       <cdr:nvSpPr>
         <cdr:cNvPr id="2" name="Diamond 1">
           <a:extLst xmlns:a="http://schemas.openxmlformats.org/drawingml/2006/main">
             <a:ext uri="{FF2B5EF4-FFF2-40B4-BE49-F238E27FC236}">
-              <a16:creationId xmlns:a16="http://schemas.microsoft.com/office/drawing/2014/main" id="{6B7CDD70-D946-4B47-A2F3-8C7A6169805B}"/>
+              <a16:creationId xmlns:a16="http://schemas.microsoft.com/office/drawing/2014/main" id="{973A71E1-E978-6543-9338-48D1C6683D47}"/>
             </a:ext>
           </a:extLst>
         </cdr:cNvPr>
         <cdr:cNvSpPr>
-          <a:spLocks xmlns:a="http://schemas.openxmlformats.org/drawingml/2006/main" noChangeAspect="1"/>
+          <a:spLocks xmlns:a="http://schemas.openxmlformats.org/drawingml/2006/main"/>
         </cdr:cNvSpPr>
       </cdr:nvSpPr>
       <cdr:spPr>
         <a:xfrm xmlns:a="http://schemas.openxmlformats.org/drawingml/2006/main">
-          <a:off x="4906642" y="1213075"/>
-          <a:ext cx="231098" cy="235243"/>
+          <a:off x="9955546" y="3008883"/>
+          <a:ext cx="109728" cy="100584"/>
         </a:xfrm>
         <a:prstGeom xmlns:a="http://schemas.openxmlformats.org/drawingml/2006/main" prst="diamond">
           <a:avLst/>
@@ -1586,16 +1649,25 @@
           </a:gsLst>
           <a:lin ang="5400000" scaled="0"/>
         </a:gradFill>
-        <a:ln xmlns:a="http://schemas.openxmlformats.org/drawingml/2006/main"/>
+        <a:ln xmlns:a="http://schemas.openxmlformats.org/drawingml/2006/main">
+          <a:noFill/>
+        </a:ln>
+        <a:effectLst xmlns:a="http://schemas.openxmlformats.org/drawingml/2006/main">
+          <a:outerShdw blurRad="50800" dist="50800" dir="5400000" sx="80000" sy="80000" algn="ctr" rotWithShape="0">
+            <a:srgbClr val="000000">
+              <a:alpha val="43137"/>
+            </a:srgbClr>
+          </a:outerShdw>
+        </a:effectLst>
       </cdr:spPr>
       <cdr:style>
-        <a:lnRef xmlns:a="http://schemas.openxmlformats.org/drawingml/2006/main" idx="0">
-          <a:schemeClr val="accent4"/>
+        <a:lnRef xmlns:a="http://schemas.openxmlformats.org/drawingml/2006/main" idx="3">
+          <a:schemeClr val="lt1"/>
         </a:lnRef>
-        <a:fillRef xmlns:a="http://schemas.openxmlformats.org/drawingml/2006/main" idx="3">
+        <a:fillRef xmlns:a="http://schemas.openxmlformats.org/drawingml/2006/main" idx="1">
           <a:schemeClr val="accent4"/>
         </a:fillRef>
-        <a:effectRef xmlns:a="http://schemas.openxmlformats.org/drawingml/2006/main" idx="3">
+        <a:effectRef xmlns:a="http://schemas.openxmlformats.org/drawingml/2006/main" idx="1">
           <a:schemeClr val="accent4"/>
         </a:effectRef>
         <a:fontRef xmlns:a="http://schemas.openxmlformats.org/drawingml/2006/main" idx="minor">
@@ -1603,90 +1675,18 @@
         </a:fontRef>
       </cdr:style>
       <cdr:txBody>
-        <a:bodyPr xmlns:a="http://schemas.openxmlformats.org/drawingml/2006/main" vertOverflow="clip"/>
-        <a:lstStyle xmlns:a="http://schemas.openxmlformats.org/drawingml/2006/main"/>
-        <a:p xmlns:a="http://schemas.openxmlformats.org/drawingml/2006/main">
-          <a:endParaRPr lang="en-US"/>
-        </a:p>
-      </cdr:txBody>
-    </cdr:sp>
-  </cdr:relSizeAnchor>
-  <cdr:relSizeAnchor xmlns:cdr="http://schemas.openxmlformats.org/drawingml/2006/chartDrawing">
-    <cdr:from>
-      <cdr:x>0.55225</cdr:x>
-      <cdr:y>0.45563</cdr:y>
-    </cdr:from>
-    <cdr:to>
-      <cdr:x>0.57389</cdr:x>
-      <cdr:y>0.5</cdr:y>
-    </cdr:to>
-    <cdr:sp macro="" textlink="">
-      <cdr:nvSpPr>
-        <cdr:cNvPr id="5" name="Diamond 4">
-          <a:extLst xmlns:a="http://schemas.openxmlformats.org/drawingml/2006/main">
-            <a:ext uri="{FF2B5EF4-FFF2-40B4-BE49-F238E27FC236}">
-              <a16:creationId xmlns:a16="http://schemas.microsoft.com/office/drawing/2014/main" id="{2A012CC5-1AF2-C940-9471-3CCDF776F2F0}"/>
-            </a:ext>
-          </a:extLst>
-        </cdr:cNvPr>
-        <cdr:cNvSpPr>
-          <a:spLocks xmlns:a="http://schemas.openxmlformats.org/drawingml/2006/main" noChangeAspect="1"/>
-        </cdr:cNvSpPr>
-      </cdr:nvSpPr>
-      <cdr:spPr>
-        <a:xfrm xmlns:a="http://schemas.openxmlformats.org/drawingml/2006/main">
-          <a:off x="5897557" y="2415679"/>
-          <a:ext cx="231097" cy="235242"/>
-        </a:xfrm>
-        <a:prstGeom xmlns:a="http://schemas.openxmlformats.org/drawingml/2006/main" prst="diamond">
-          <a:avLst/>
-        </a:prstGeom>
-        <a:gradFill xmlns:a="http://schemas.openxmlformats.org/drawingml/2006/main">
-          <a:gsLst>
-            <a:gs pos="0">
-              <a:schemeClr val="bg1"/>
-            </a:gs>
-            <a:gs pos="63000">
-              <a:srgbClr val="FFCC1D"/>
-            </a:gs>
-            <a:gs pos="73000">
-              <a:schemeClr val="accent4">
-                <a:satMod val="110000"/>
-                <a:lumMod val="100000"/>
-                <a:shade val="100000"/>
-              </a:schemeClr>
-            </a:gs>
-            <a:gs pos="100000">
-              <a:schemeClr val="accent4">
-                <a:lumMod val="99000"/>
-                <a:satMod val="120000"/>
-                <a:shade val="78000"/>
-              </a:schemeClr>
-            </a:gs>
-          </a:gsLst>
-          <a:lin ang="5400000" scaled="0"/>
-        </a:gradFill>
-        <a:ln xmlns:a="http://schemas.openxmlformats.org/drawingml/2006/main"/>
-      </cdr:spPr>
-      <cdr:style>
-        <a:lnRef xmlns:a="http://schemas.openxmlformats.org/drawingml/2006/main" idx="0">
-          <a:schemeClr val="accent4"/>
-        </a:lnRef>
-        <a:fillRef xmlns:a="http://schemas.openxmlformats.org/drawingml/2006/main" idx="3">
-          <a:schemeClr val="accent4"/>
-        </a:fillRef>
-        <a:effectRef xmlns:a="http://schemas.openxmlformats.org/drawingml/2006/main" idx="3">
-          <a:schemeClr val="accent4"/>
-        </a:effectRef>
-        <a:fontRef xmlns:a="http://schemas.openxmlformats.org/drawingml/2006/main" idx="minor">
-          <a:schemeClr val="lt1"/>
-        </a:fontRef>
-      </cdr:style>
-      <cdr:txBody>
-        <a:bodyPr xmlns:a="http://schemas.openxmlformats.org/drawingml/2006/main"/>
+        <a:bodyPr xmlns:a="http://schemas.openxmlformats.org/drawingml/2006/main" rot="0" spcFirstLastPara="0" vert="horz" wrap="square" lIns="91440" tIns="45720" rIns="91440" bIns="45720" numCol="1" spcCol="0" rtlCol="0" fromWordArt="0" anchor="ctr" anchorCtr="0" forceAA="0" compatLnSpc="1">
+          <a:prstTxWarp prst="textNoShape">
+            <a:avLst/>
+          </a:prstTxWarp>
+          <a:noAutofit/>
+        </a:bodyPr>
         <a:lstStyle xmlns:a="http://schemas.openxmlformats.org/drawingml/2006/main">
-          <a:lvl1pPr marL="0" indent="0">
-            <a:defRPr sz="1100">
+          <a:defPPr>
+            <a:defRPr lang="en-US"/>
+          </a:defPPr>
+          <a:lvl1pPr marL="0" algn="l" defTabSz="914400" rtl="0" eaLnBrk="1" latinLnBrk="0" hangingPunct="1">
+            <a:defRPr sz="1800" kern="1200">
               <a:solidFill>
                 <a:schemeClr val="lt1"/>
               </a:solidFill>
@@ -1695,8 +1695,8 @@
               <a:cs typeface="+mn-cs"/>
             </a:defRPr>
           </a:lvl1pPr>
-          <a:lvl2pPr marL="457200" indent="0">
-            <a:defRPr sz="1100">
+          <a:lvl2pPr marL="457200" algn="l" defTabSz="914400" rtl="0" eaLnBrk="1" latinLnBrk="0" hangingPunct="1">
+            <a:defRPr sz="1800" kern="1200">
               <a:solidFill>
                 <a:schemeClr val="lt1"/>
               </a:solidFill>
@@ -1705,8 +1705,8 @@
               <a:cs typeface="+mn-cs"/>
             </a:defRPr>
           </a:lvl2pPr>
-          <a:lvl3pPr marL="914400" indent="0">
-            <a:defRPr sz="1100">
+          <a:lvl3pPr marL="914400" algn="l" defTabSz="914400" rtl="0" eaLnBrk="1" latinLnBrk="0" hangingPunct="1">
+            <a:defRPr sz="1800" kern="1200">
               <a:solidFill>
                 <a:schemeClr val="lt1"/>
               </a:solidFill>
@@ -1715,8 +1715,8 @@
               <a:cs typeface="+mn-cs"/>
             </a:defRPr>
           </a:lvl3pPr>
-          <a:lvl4pPr marL="1371600" indent="0">
-            <a:defRPr sz="1100">
+          <a:lvl4pPr marL="1371600" algn="l" defTabSz="914400" rtl="0" eaLnBrk="1" latinLnBrk="0" hangingPunct="1">
+            <a:defRPr sz="1800" kern="1200">
               <a:solidFill>
                 <a:schemeClr val="lt1"/>
               </a:solidFill>
@@ -1725,8 +1725,8 @@
               <a:cs typeface="+mn-cs"/>
             </a:defRPr>
           </a:lvl4pPr>
-          <a:lvl5pPr marL="1828800" indent="0">
-            <a:defRPr sz="1100">
+          <a:lvl5pPr marL="1828800" algn="l" defTabSz="914400" rtl="0" eaLnBrk="1" latinLnBrk="0" hangingPunct="1">
+            <a:defRPr sz="1800" kern="1200">
               <a:solidFill>
                 <a:schemeClr val="lt1"/>
               </a:solidFill>
@@ -1735,8 +1735,8 @@
               <a:cs typeface="+mn-cs"/>
             </a:defRPr>
           </a:lvl5pPr>
-          <a:lvl6pPr marL="2286000" indent="0">
-            <a:defRPr sz="1100">
+          <a:lvl6pPr marL="2286000" algn="l" defTabSz="914400" rtl="0" eaLnBrk="1" latinLnBrk="0" hangingPunct="1">
+            <a:defRPr sz="1800" kern="1200">
               <a:solidFill>
                 <a:schemeClr val="lt1"/>
               </a:solidFill>
@@ -1745,8 +1745,8 @@
               <a:cs typeface="+mn-cs"/>
             </a:defRPr>
           </a:lvl6pPr>
-          <a:lvl7pPr marL="2743200" indent="0">
-            <a:defRPr sz="1100">
+          <a:lvl7pPr marL="2743200" algn="l" defTabSz="914400" rtl="0" eaLnBrk="1" latinLnBrk="0" hangingPunct="1">
+            <a:defRPr sz="1800" kern="1200">
               <a:solidFill>
                 <a:schemeClr val="lt1"/>
               </a:solidFill>
@@ -1755,8 +1755,8 @@
               <a:cs typeface="+mn-cs"/>
             </a:defRPr>
           </a:lvl7pPr>
-          <a:lvl8pPr marL="3200400" indent="0">
-            <a:defRPr sz="1100">
+          <a:lvl8pPr marL="3200400" algn="l" defTabSz="914400" rtl="0" eaLnBrk="1" latinLnBrk="0" hangingPunct="1">
+            <a:defRPr sz="1800" kern="1200">
               <a:solidFill>
                 <a:schemeClr val="lt1"/>
               </a:solidFill>
@@ -1765,8 +1765,8 @@
               <a:cs typeface="+mn-cs"/>
             </a:defRPr>
           </a:lvl8pPr>
-          <a:lvl9pPr marL="3657600" indent="0">
-            <a:defRPr sz="1100">
+          <a:lvl9pPr marL="3657600" algn="l" defTabSz="914400" rtl="0" eaLnBrk="1" latinLnBrk="0" hangingPunct="1">
+            <a:defRPr sz="1800" kern="1200">
               <a:solidFill>
                 <a:schemeClr val="lt1"/>
               </a:solidFill>
@@ -1777,972 +1777,11 @@
           </a:lvl9pPr>
         </a:lstStyle>
         <a:p xmlns:a="http://schemas.openxmlformats.org/drawingml/2006/main">
-          <a:endParaRPr lang="en-US"/>
+          <a:pPr algn="ctr"/>
+          <a:endParaRPr lang="en-US" dirty="0"/>
         </a:p>
       </cdr:txBody>
     </cdr:sp>
-  </cdr:relSizeAnchor>
-  <cdr:relSizeAnchor xmlns:cdr="http://schemas.openxmlformats.org/drawingml/2006/chartDrawing">
-    <cdr:from>
-      <cdr:x>0.50708</cdr:x>
-      <cdr:y>0.30362</cdr:y>
-    </cdr:from>
-    <cdr:to>
-      <cdr:x>0.52934</cdr:x>
-      <cdr:y>0.34846</cdr:y>
-    </cdr:to>
-    <cdr:sp macro="" textlink="">
-      <cdr:nvSpPr>
-        <cdr:cNvPr id="6" name="Diamond 5">
-          <a:extLst xmlns:a="http://schemas.openxmlformats.org/drawingml/2006/main">
-            <a:ext uri="{FF2B5EF4-FFF2-40B4-BE49-F238E27FC236}">
-              <a16:creationId xmlns:a16="http://schemas.microsoft.com/office/drawing/2014/main" id="{C3670F3E-85D9-B341-8242-FA44D669ED85}"/>
-            </a:ext>
-          </a:extLst>
-        </cdr:cNvPr>
-        <cdr:cNvSpPr>
-          <a:spLocks xmlns:a="http://schemas.openxmlformats.org/drawingml/2006/main"/>
-        </cdr:cNvSpPr>
-      </cdr:nvSpPr>
-      <cdr:spPr>
-        <a:xfrm xmlns:a="http://schemas.openxmlformats.org/drawingml/2006/main">
-          <a:off x="5415213" y="1609739"/>
-          <a:ext cx="237744" cy="237744"/>
-        </a:xfrm>
-        <a:prstGeom xmlns:a="http://schemas.openxmlformats.org/drawingml/2006/main" prst="diamond">
-          <a:avLst/>
-        </a:prstGeom>
-        <a:gradFill xmlns:a="http://schemas.openxmlformats.org/drawingml/2006/main">
-          <a:gsLst>
-            <a:gs pos="0">
-              <a:schemeClr val="bg1"/>
-            </a:gs>
-            <a:gs pos="63000">
-              <a:srgbClr val="FFCC1D"/>
-            </a:gs>
-            <a:gs pos="73000">
-              <a:schemeClr val="accent4">
-                <a:satMod val="110000"/>
-                <a:lumMod val="100000"/>
-                <a:shade val="100000"/>
-              </a:schemeClr>
-            </a:gs>
-            <a:gs pos="100000">
-              <a:schemeClr val="accent4">
-                <a:lumMod val="99000"/>
-                <a:satMod val="120000"/>
-                <a:shade val="78000"/>
-              </a:schemeClr>
-            </a:gs>
-          </a:gsLst>
-          <a:lin ang="5400000" scaled="0"/>
-        </a:gradFill>
-        <a:ln xmlns:a="http://schemas.openxmlformats.org/drawingml/2006/main"/>
-      </cdr:spPr>
-      <cdr:style>
-        <a:lnRef xmlns:a="http://schemas.openxmlformats.org/drawingml/2006/main" idx="0">
-          <a:schemeClr val="accent4"/>
-        </a:lnRef>
-        <a:fillRef xmlns:a="http://schemas.openxmlformats.org/drawingml/2006/main" idx="3">
-          <a:schemeClr val="accent4"/>
-        </a:fillRef>
-        <a:effectRef xmlns:a="http://schemas.openxmlformats.org/drawingml/2006/main" idx="3">
-          <a:schemeClr val="accent4"/>
-        </a:effectRef>
-        <a:fontRef xmlns:a="http://schemas.openxmlformats.org/drawingml/2006/main" idx="minor">
-          <a:schemeClr val="lt1"/>
-        </a:fontRef>
-      </cdr:style>
-      <cdr:txBody>
-        <a:bodyPr xmlns:a="http://schemas.openxmlformats.org/drawingml/2006/main"/>
-        <a:lstStyle xmlns:a="http://schemas.openxmlformats.org/drawingml/2006/main">
-          <a:lvl1pPr marL="0" indent="0">
-            <a:defRPr sz="1100">
-              <a:solidFill>
-                <a:schemeClr val="lt1"/>
-              </a:solidFill>
-              <a:latin typeface="+mn-lt"/>
-              <a:ea typeface="+mn-ea"/>
-              <a:cs typeface="+mn-cs"/>
-            </a:defRPr>
-          </a:lvl1pPr>
-          <a:lvl2pPr marL="457200" indent="0">
-            <a:defRPr sz="1100">
-              <a:solidFill>
-                <a:schemeClr val="lt1"/>
-              </a:solidFill>
-              <a:latin typeface="+mn-lt"/>
-              <a:ea typeface="+mn-ea"/>
-              <a:cs typeface="+mn-cs"/>
-            </a:defRPr>
-          </a:lvl2pPr>
-          <a:lvl3pPr marL="914400" indent="0">
-            <a:defRPr sz="1100">
-              <a:solidFill>
-                <a:schemeClr val="lt1"/>
-              </a:solidFill>
-              <a:latin typeface="+mn-lt"/>
-              <a:ea typeface="+mn-ea"/>
-              <a:cs typeface="+mn-cs"/>
-            </a:defRPr>
-          </a:lvl3pPr>
-          <a:lvl4pPr marL="1371600" indent="0">
-            <a:defRPr sz="1100">
-              <a:solidFill>
-                <a:schemeClr val="lt1"/>
-              </a:solidFill>
-              <a:latin typeface="+mn-lt"/>
-              <a:ea typeface="+mn-ea"/>
-              <a:cs typeface="+mn-cs"/>
-            </a:defRPr>
-          </a:lvl4pPr>
-          <a:lvl5pPr marL="1828800" indent="0">
-            <a:defRPr sz="1100">
-              <a:solidFill>
-                <a:schemeClr val="lt1"/>
-              </a:solidFill>
-              <a:latin typeface="+mn-lt"/>
-              <a:ea typeface="+mn-ea"/>
-              <a:cs typeface="+mn-cs"/>
-            </a:defRPr>
-          </a:lvl5pPr>
-          <a:lvl6pPr marL="2286000" indent="0">
-            <a:defRPr sz="1100">
-              <a:solidFill>
-                <a:schemeClr val="lt1"/>
-              </a:solidFill>
-              <a:latin typeface="+mn-lt"/>
-              <a:ea typeface="+mn-ea"/>
-              <a:cs typeface="+mn-cs"/>
-            </a:defRPr>
-          </a:lvl6pPr>
-          <a:lvl7pPr marL="2743200" indent="0">
-            <a:defRPr sz="1100">
-              <a:solidFill>
-                <a:schemeClr val="lt1"/>
-              </a:solidFill>
-              <a:latin typeface="+mn-lt"/>
-              <a:ea typeface="+mn-ea"/>
-              <a:cs typeface="+mn-cs"/>
-            </a:defRPr>
-          </a:lvl7pPr>
-          <a:lvl8pPr marL="3200400" indent="0">
-            <a:defRPr sz="1100">
-              <a:solidFill>
-                <a:schemeClr val="lt1"/>
-              </a:solidFill>
-              <a:latin typeface="+mn-lt"/>
-              <a:ea typeface="+mn-ea"/>
-              <a:cs typeface="+mn-cs"/>
-            </a:defRPr>
-          </a:lvl8pPr>
-          <a:lvl9pPr marL="3657600" indent="0">
-            <a:defRPr sz="1100">
-              <a:solidFill>
-                <a:schemeClr val="lt1"/>
-              </a:solidFill>
-              <a:latin typeface="+mn-lt"/>
-              <a:ea typeface="+mn-ea"/>
-              <a:cs typeface="+mn-cs"/>
-            </a:defRPr>
-          </a:lvl9pPr>
-        </a:lstStyle>
-        <a:p xmlns:a="http://schemas.openxmlformats.org/drawingml/2006/main">
-          <a:endParaRPr lang="en-US"/>
-        </a:p>
-      </cdr:txBody>
-    </cdr:sp>
-  </cdr:relSizeAnchor>
-  <cdr:relSizeAnchor xmlns:cdr="http://schemas.openxmlformats.org/drawingml/2006/chartDrawing">
-    <cdr:from>
-      <cdr:x>0.90573</cdr:x>
-      <cdr:y>0.57035</cdr:y>
-    </cdr:from>
-    <cdr:to>
-      <cdr:x>0.91498</cdr:x>
-      <cdr:y>0.58932</cdr:y>
-    </cdr:to>
-    <cdr:sp macro="" textlink="">
-      <cdr:nvSpPr>
-        <cdr:cNvPr id="7" name="Diamond 6">
-          <a:extLst xmlns:a="http://schemas.openxmlformats.org/drawingml/2006/main">
-            <a:ext uri="{FF2B5EF4-FFF2-40B4-BE49-F238E27FC236}">
-              <a16:creationId xmlns:a16="http://schemas.microsoft.com/office/drawing/2014/main" id="{AA9D712B-6379-0E49-BA04-A1A7C0C5524D}"/>
-            </a:ext>
-          </a:extLst>
-        </cdr:cNvPr>
-        <cdr:cNvSpPr>
-          <a:spLocks xmlns:a="http://schemas.openxmlformats.org/drawingml/2006/main" noChangeAspect="1"/>
-        </cdr:cNvSpPr>
-      </cdr:nvSpPr>
-      <cdr:spPr>
-        <a:xfrm xmlns:a="http://schemas.openxmlformats.org/drawingml/2006/main">
-          <a:off x="9672459" y="3023914"/>
-          <a:ext cx="98811" cy="100584"/>
-        </a:xfrm>
-        <a:prstGeom xmlns:a="http://schemas.openxmlformats.org/drawingml/2006/main" prst="diamond">
-          <a:avLst/>
-        </a:prstGeom>
-        <a:gradFill xmlns:a="http://schemas.openxmlformats.org/drawingml/2006/main">
-          <a:gsLst>
-            <a:gs pos="0">
-              <a:schemeClr val="bg1"/>
-            </a:gs>
-            <a:gs pos="63000">
-              <a:srgbClr val="FFCC1D"/>
-            </a:gs>
-            <a:gs pos="73000">
-              <a:schemeClr val="accent4">
-                <a:satMod val="110000"/>
-                <a:lumMod val="100000"/>
-                <a:shade val="100000"/>
-              </a:schemeClr>
-            </a:gs>
-            <a:gs pos="100000">
-              <a:schemeClr val="accent4">
-                <a:lumMod val="99000"/>
-                <a:satMod val="120000"/>
-                <a:shade val="78000"/>
-              </a:schemeClr>
-            </a:gs>
-          </a:gsLst>
-          <a:lin ang="5400000" scaled="0"/>
-        </a:gradFill>
-        <a:ln xmlns:a="http://schemas.openxmlformats.org/drawingml/2006/main"/>
-      </cdr:spPr>
-      <cdr:style>
-        <a:lnRef xmlns:a="http://schemas.openxmlformats.org/drawingml/2006/main" idx="0">
-          <a:schemeClr val="accent4"/>
-        </a:lnRef>
-        <a:fillRef xmlns:a="http://schemas.openxmlformats.org/drawingml/2006/main" idx="3">
-          <a:schemeClr val="accent4"/>
-        </a:fillRef>
-        <a:effectRef xmlns:a="http://schemas.openxmlformats.org/drawingml/2006/main" idx="3">
-          <a:schemeClr val="accent4"/>
-        </a:effectRef>
-        <a:fontRef xmlns:a="http://schemas.openxmlformats.org/drawingml/2006/main" idx="minor">
-          <a:schemeClr val="lt1"/>
-        </a:fontRef>
-      </cdr:style>
-      <cdr:txBody>
-        <a:bodyPr xmlns:a="http://schemas.openxmlformats.org/drawingml/2006/main"/>
-        <a:lstStyle xmlns:a="http://schemas.openxmlformats.org/drawingml/2006/main">
-          <a:lvl1pPr marL="0" indent="0">
-            <a:defRPr sz="1100">
-              <a:solidFill>
-                <a:schemeClr val="lt1"/>
-              </a:solidFill>
-              <a:latin typeface="+mn-lt"/>
-              <a:ea typeface="+mn-ea"/>
-              <a:cs typeface="+mn-cs"/>
-            </a:defRPr>
-          </a:lvl1pPr>
-          <a:lvl2pPr marL="457200" indent="0">
-            <a:defRPr sz="1100">
-              <a:solidFill>
-                <a:schemeClr val="lt1"/>
-              </a:solidFill>
-              <a:latin typeface="+mn-lt"/>
-              <a:ea typeface="+mn-ea"/>
-              <a:cs typeface="+mn-cs"/>
-            </a:defRPr>
-          </a:lvl2pPr>
-          <a:lvl3pPr marL="914400" indent="0">
-            <a:defRPr sz="1100">
-              <a:solidFill>
-                <a:schemeClr val="lt1"/>
-              </a:solidFill>
-              <a:latin typeface="+mn-lt"/>
-              <a:ea typeface="+mn-ea"/>
-              <a:cs typeface="+mn-cs"/>
-            </a:defRPr>
-          </a:lvl3pPr>
-          <a:lvl4pPr marL="1371600" indent="0">
-            <a:defRPr sz="1100">
-              <a:solidFill>
-                <a:schemeClr val="lt1"/>
-              </a:solidFill>
-              <a:latin typeface="+mn-lt"/>
-              <a:ea typeface="+mn-ea"/>
-              <a:cs typeface="+mn-cs"/>
-            </a:defRPr>
-          </a:lvl4pPr>
-          <a:lvl5pPr marL="1828800" indent="0">
-            <a:defRPr sz="1100">
-              <a:solidFill>
-                <a:schemeClr val="lt1"/>
-              </a:solidFill>
-              <a:latin typeface="+mn-lt"/>
-              <a:ea typeface="+mn-ea"/>
-              <a:cs typeface="+mn-cs"/>
-            </a:defRPr>
-          </a:lvl5pPr>
-          <a:lvl6pPr marL="2286000" indent="0">
-            <a:defRPr sz="1100">
-              <a:solidFill>
-                <a:schemeClr val="lt1"/>
-              </a:solidFill>
-              <a:latin typeface="+mn-lt"/>
-              <a:ea typeface="+mn-ea"/>
-              <a:cs typeface="+mn-cs"/>
-            </a:defRPr>
-          </a:lvl6pPr>
-          <a:lvl7pPr marL="2743200" indent="0">
-            <a:defRPr sz="1100">
-              <a:solidFill>
-                <a:schemeClr val="lt1"/>
-              </a:solidFill>
-              <a:latin typeface="+mn-lt"/>
-              <a:ea typeface="+mn-ea"/>
-              <a:cs typeface="+mn-cs"/>
-            </a:defRPr>
-          </a:lvl7pPr>
-          <a:lvl8pPr marL="3200400" indent="0">
-            <a:defRPr sz="1100">
-              <a:solidFill>
-                <a:schemeClr val="lt1"/>
-              </a:solidFill>
-              <a:latin typeface="+mn-lt"/>
-              <a:ea typeface="+mn-ea"/>
-              <a:cs typeface="+mn-cs"/>
-            </a:defRPr>
-          </a:lvl8pPr>
-          <a:lvl9pPr marL="3657600" indent="0">
-            <a:defRPr sz="1100">
-              <a:solidFill>
-                <a:schemeClr val="lt1"/>
-              </a:solidFill>
-              <a:latin typeface="+mn-lt"/>
-              <a:ea typeface="+mn-ea"/>
-              <a:cs typeface="+mn-cs"/>
-            </a:defRPr>
-          </a:lvl9pPr>
-        </a:lstStyle>
-        <a:p xmlns:a="http://schemas.openxmlformats.org/drawingml/2006/main">
-          <a:endParaRPr lang="en-US"/>
-        </a:p>
-      </cdr:txBody>
-    </cdr:sp>
-  </cdr:relSizeAnchor>
-  <cdr:relSizeAnchor xmlns:cdr="http://schemas.openxmlformats.org/drawingml/2006/chartDrawing">
-    <cdr:from>
-      <cdr:x>0.24596</cdr:x>
-      <cdr:y>0.24818</cdr:y>
-    </cdr:from>
-    <cdr:to>
-      <cdr:x>0.31678</cdr:x>
-      <cdr:y>0.24818</cdr:y>
-    </cdr:to>
-    <cdr:cxnSp macro="">
-      <cdr:nvCxnSpPr>
-        <cdr:cNvPr id="8" name="Straight Connector 7">
-          <a:extLst xmlns:a="http://schemas.openxmlformats.org/drawingml/2006/main">
-            <a:ext uri="{FF2B5EF4-FFF2-40B4-BE49-F238E27FC236}">
-              <a16:creationId xmlns:a16="http://schemas.microsoft.com/office/drawing/2014/main" id="{A612FA6E-ABA5-9840-9AF3-DEAD602ED5CA}"/>
-            </a:ext>
-          </a:extLst>
-        </cdr:cNvPr>
-        <cdr:cNvCxnSpPr>
-          <a:cxnSpLocks xmlns:a="http://schemas.openxmlformats.org/drawingml/2006/main"/>
-        </cdr:cNvCxnSpPr>
-      </cdr:nvCxnSpPr>
-      <cdr:spPr>
-        <a:xfrm xmlns:a="http://schemas.openxmlformats.org/drawingml/2006/main">
-          <a:off x="2626637" y="1315834"/>
-          <a:ext cx="756270" cy="0"/>
-        </a:xfrm>
-        <a:prstGeom xmlns:a="http://schemas.openxmlformats.org/drawingml/2006/main" prst="line">
-          <a:avLst/>
-        </a:prstGeom>
-        <a:ln xmlns:a="http://schemas.openxmlformats.org/drawingml/2006/main" w="12700">
-          <a:solidFill>
-            <a:schemeClr val="bg1">
-              <a:lumMod val="65000"/>
-            </a:schemeClr>
-          </a:solidFill>
-          <a:prstDash val="dash"/>
-        </a:ln>
-        <a:effectLst xmlns:a="http://schemas.openxmlformats.org/drawingml/2006/main">
-          <a:outerShdw blurRad="50800" dist="38100" dir="5400000" algn="t" rotWithShape="0">
-            <a:prstClr val="black">
-              <a:alpha val="40000"/>
-            </a:prstClr>
-          </a:outerShdw>
-        </a:effectLst>
-      </cdr:spPr>
-      <cdr:style>
-        <a:lnRef xmlns:a="http://schemas.openxmlformats.org/drawingml/2006/main" idx="1">
-          <a:schemeClr val="accent1"/>
-        </a:lnRef>
-        <a:fillRef xmlns:a="http://schemas.openxmlformats.org/drawingml/2006/main" idx="0">
-          <a:schemeClr val="accent1"/>
-        </a:fillRef>
-        <a:effectRef xmlns:a="http://schemas.openxmlformats.org/drawingml/2006/main" idx="0">
-          <a:schemeClr val="accent1"/>
-        </a:effectRef>
-        <a:fontRef xmlns:a="http://schemas.openxmlformats.org/drawingml/2006/main" idx="minor">
-          <a:schemeClr val="tx1"/>
-        </a:fontRef>
-      </cdr:style>
-    </cdr:cxnSp>
-  </cdr:relSizeAnchor>
-  <cdr:relSizeAnchor xmlns:cdr="http://schemas.openxmlformats.org/drawingml/2006/chartDrawing">
-    <cdr:from>
-      <cdr:x>0.24596</cdr:x>
-      <cdr:y>0.32599</cdr:y>
-    </cdr:from>
-    <cdr:to>
-      <cdr:x>0.47451</cdr:x>
-      <cdr:y>0.32599</cdr:y>
-    </cdr:to>
-    <cdr:cxnSp macro="">
-      <cdr:nvCxnSpPr>
-        <cdr:cNvPr id="9" name="Straight Connector 8">
-          <a:extLst xmlns:a="http://schemas.openxmlformats.org/drawingml/2006/main">
-            <a:ext uri="{FF2B5EF4-FFF2-40B4-BE49-F238E27FC236}">
-              <a16:creationId xmlns:a16="http://schemas.microsoft.com/office/drawing/2014/main" id="{A612FA6E-ABA5-9840-9AF3-DEAD602ED5CA}"/>
-            </a:ext>
-          </a:extLst>
-        </cdr:cNvPr>
-        <cdr:cNvCxnSpPr>
-          <a:cxnSpLocks xmlns:a="http://schemas.openxmlformats.org/drawingml/2006/main"/>
-        </cdr:cNvCxnSpPr>
-      </cdr:nvCxnSpPr>
-      <cdr:spPr>
-        <a:xfrm xmlns:a="http://schemas.openxmlformats.org/drawingml/2006/main">
-          <a:off x="2626637" y="1728346"/>
-          <a:ext cx="2440691" cy="0"/>
-        </a:xfrm>
-        <a:prstGeom xmlns:a="http://schemas.openxmlformats.org/drawingml/2006/main" prst="line">
-          <a:avLst/>
-        </a:prstGeom>
-        <a:ln xmlns:a="http://schemas.openxmlformats.org/drawingml/2006/main" w="12700">
-          <a:solidFill>
-            <a:schemeClr val="bg1">
-              <a:lumMod val="65000"/>
-            </a:schemeClr>
-          </a:solidFill>
-          <a:prstDash val="dash"/>
-        </a:ln>
-        <a:effectLst xmlns:a="http://schemas.openxmlformats.org/drawingml/2006/main">
-          <a:outerShdw blurRad="50800" dist="38100" dir="5400000" algn="t" rotWithShape="0">
-            <a:prstClr val="black">
-              <a:alpha val="40000"/>
-            </a:prstClr>
-          </a:outerShdw>
-        </a:effectLst>
-      </cdr:spPr>
-      <cdr:style>
-        <a:lnRef xmlns:a="http://schemas.openxmlformats.org/drawingml/2006/main" idx="1">
-          <a:schemeClr val="accent1"/>
-        </a:lnRef>
-        <a:fillRef xmlns:a="http://schemas.openxmlformats.org/drawingml/2006/main" idx="0">
-          <a:schemeClr val="accent1"/>
-        </a:fillRef>
-        <a:effectRef xmlns:a="http://schemas.openxmlformats.org/drawingml/2006/main" idx="0">
-          <a:schemeClr val="accent1"/>
-        </a:effectRef>
-        <a:fontRef xmlns:a="http://schemas.openxmlformats.org/drawingml/2006/main" idx="minor">
-          <a:schemeClr val="tx1"/>
-        </a:fontRef>
-      </cdr:style>
-    </cdr:cxnSp>
-  </cdr:relSizeAnchor>
-  <cdr:relSizeAnchor xmlns:cdr="http://schemas.openxmlformats.org/drawingml/2006/chartDrawing">
-    <cdr:from>
-      <cdr:x>0.24596</cdr:x>
-      <cdr:y>0.3999</cdr:y>
-    </cdr:from>
-    <cdr:to>
-      <cdr:x>0.49253</cdr:x>
-      <cdr:y>0.3999</cdr:y>
-    </cdr:to>
-    <cdr:cxnSp macro="">
-      <cdr:nvCxnSpPr>
-        <cdr:cNvPr id="10" name="Straight Connector 9">
-          <a:extLst xmlns:a="http://schemas.openxmlformats.org/drawingml/2006/main">
-            <a:ext uri="{FF2B5EF4-FFF2-40B4-BE49-F238E27FC236}">
-              <a16:creationId xmlns:a16="http://schemas.microsoft.com/office/drawing/2014/main" id="{A612FA6E-ABA5-9840-9AF3-DEAD602ED5CA}"/>
-            </a:ext>
-          </a:extLst>
-        </cdr:cNvPr>
-        <cdr:cNvCxnSpPr>
-          <a:cxnSpLocks xmlns:a="http://schemas.openxmlformats.org/drawingml/2006/main"/>
-        </cdr:cNvCxnSpPr>
-      </cdr:nvCxnSpPr>
-      <cdr:spPr>
-        <a:xfrm xmlns:a="http://schemas.openxmlformats.org/drawingml/2006/main">
-          <a:off x="2626637" y="2120231"/>
-          <a:ext cx="2633196" cy="0"/>
-        </a:xfrm>
-        <a:prstGeom xmlns:a="http://schemas.openxmlformats.org/drawingml/2006/main" prst="line">
-          <a:avLst/>
-        </a:prstGeom>
-        <a:ln xmlns:a="http://schemas.openxmlformats.org/drawingml/2006/main" w="12700">
-          <a:solidFill>
-            <a:schemeClr val="bg1">
-              <a:lumMod val="65000"/>
-            </a:schemeClr>
-          </a:solidFill>
-          <a:prstDash val="dash"/>
-        </a:ln>
-        <a:effectLst xmlns:a="http://schemas.openxmlformats.org/drawingml/2006/main">
-          <a:outerShdw blurRad="50800" dist="38100" dir="5400000" algn="t" rotWithShape="0">
-            <a:prstClr val="black">
-              <a:alpha val="40000"/>
-            </a:prstClr>
-          </a:outerShdw>
-        </a:effectLst>
-      </cdr:spPr>
-      <cdr:style>
-        <a:lnRef xmlns:a="http://schemas.openxmlformats.org/drawingml/2006/main" idx="1">
-          <a:schemeClr val="accent1"/>
-        </a:lnRef>
-        <a:fillRef xmlns:a="http://schemas.openxmlformats.org/drawingml/2006/main" idx="0">
-          <a:schemeClr val="accent1"/>
-        </a:fillRef>
-        <a:effectRef xmlns:a="http://schemas.openxmlformats.org/drawingml/2006/main" idx="0">
-          <a:schemeClr val="accent1"/>
-        </a:effectRef>
-        <a:fontRef xmlns:a="http://schemas.openxmlformats.org/drawingml/2006/main" idx="minor">
-          <a:schemeClr val="tx1"/>
-        </a:fontRef>
-      </cdr:style>
-    </cdr:cxnSp>
-  </cdr:relSizeAnchor>
-  <cdr:relSizeAnchor xmlns:cdr="http://schemas.openxmlformats.org/drawingml/2006/chartDrawing">
-    <cdr:from>
-      <cdr:x>0.24596</cdr:x>
-      <cdr:y>0.48127</cdr:y>
-    </cdr:from>
-    <cdr:to>
-      <cdr:x>0.54661</cdr:x>
-      <cdr:y>0.48127</cdr:y>
-    </cdr:to>
-    <cdr:cxnSp macro="">
-      <cdr:nvCxnSpPr>
-        <cdr:cNvPr id="12" name="Straight Connector 11">
-          <a:extLst xmlns:a="http://schemas.openxmlformats.org/drawingml/2006/main">
-            <a:ext uri="{FF2B5EF4-FFF2-40B4-BE49-F238E27FC236}">
-              <a16:creationId xmlns:a16="http://schemas.microsoft.com/office/drawing/2014/main" id="{A612FA6E-ABA5-9840-9AF3-DEAD602ED5CA}"/>
-            </a:ext>
-          </a:extLst>
-        </cdr:cNvPr>
-        <cdr:cNvCxnSpPr>
-          <a:cxnSpLocks xmlns:a="http://schemas.openxmlformats.org/drawingml/2006/main"/>
-        </cdr:cNvCxnSpPr>
-      </cdr:nvCxnSpPr>
-      <cdr:spPr>
-        <a:xfrm xmlns:a="http://schemas.openxmlformats.org/drawingml/2006/main">
-          <a:off x="2626637" y="2551636"/>
-          <a:ext cx="3210712" cy="0"/>
-        </a:xfrm>
-        <a:prstGeom xmlns:a="http://schemas.openxmlformats.org/drawingml/2006/main" prst="line">
-          <a:avLst/>
-        </a:prstGeom>
-        <a:ln xmlns:a="http://schemas.openxmlformats.org/drawingml/2006/main" w="12700">
-          <a:solidFill>
-            <a:schemeClr val="bg1">
-              <a:lumMod val="65000"/>
-            </a:schemeClr>
-          </a:solidFill>
-          <a:prstDash val="dash"/>
-        </a:ln>
-        <a:effectLst xmlns:a="http://schemas.openxmlformats.org/drawingml/2006/main">
-          <a:outerShdw blurRad="50800" dist="38100" dir="5400000" algn="t" rotWithShape="0">
-            <a:prstClr val="black">
-              <a:alpha val="40000"/>
-            </a:prstClr>
-          </a:outerShdw>
-        </a:effectLst>
-      </cdr:spPr>
-      <cdr:style>
-        <a:lnRef xmlns:a="http://schemas.openxmlformats.org/drawingml/2006/main" idx="1">
-          <a:schemeClr val="accent1"/>
-        </a:lnRef>
-        <a:fillRef xmlns:a="http://schemas.openxmlformats.org/drawingml/2006/main" idx="0">
-          <a:schemeClr val="accent1"/>
-        </a:fillRef>
-        <a:effectRef xmlns:a="http://schemas.openxmlformats.org/drawingml/2006/main" idx="0">
-          <a:schemeClr val="accent1"/>
-        </a:effectRef>
-        <a:fontRef xmlns:a="http://schemas.openxmlformats.org/drawingml/2006/main" idx="minor">
-          <a:schemeClr val="tx1"/>
-        </a:fontRef>
-      </cdr:style>
-    </cdr:cxnSp>
-  </cdr:relSizeAnchor>
-  <cdr:relSizeAnchor xmlns:cdr="http://schemas.openxmlformats.org/drawingml/2006/chartDrawing">
-    <cdr:from>
-      <cdr:x>0.24596</cdr:x>
-      <cdr:y>0.54978</cdr:y>
-    </cdr:from>
-    <cdr:to>
-      <cdr:x>0.60735</cdr:x>
-      <cdr:y>0.54978</cdr:y>
-    </cdr:to>
-    <cdr:cxnSp macro="">
-      <cdr:nvCxnSpPr>
-        <cdr:cNvPr id="14" name="Straight Connector 13">
-          <a:extLst xmlns:a="http://schemas.openxmlformats.org/drawingml/2006/main">
-            <a:ext uri="{FF2B5EF4-FFF2-40B4-BE49-F238E27FC236}">
-              <a16:creationId xmlns:a16="http://schemas.microsoft.com/office/drawing/2014/main" id="{A612FA6E-ABA5-9840-9AF3-DEAD602ED5CA}"/>
-            </a:ext>
-          </a:extLst>
-        </cdr:cNvPr>
-        <cdr:cNvCxnSpPr>
-          <a:cxnSpLocks xmlns:a="http://schemas.openxmlformats.org/drawingml/2006/main"/>
-        </cdr:cNvCxnSpPr>
-      </cdr:nvCxnSpPr>
-      <cdr:spPr>
-        <a:xfrm xmlns:a="http://schemas.openxmlformats.org/drawingml/2006/main">
-          <a:off x="2626637" y="2914823"/>
-          <a:ext cx="3859339" cy="0"/>
-        </a:xfrm>
-        <a:prstGeom xmlns:a="http://schemas.openxmlformats.org/drawingml/2006/main" prst="line">
-          <a:avLst/>
-        </a:prstGeom>
-        <a:ln xmlns:a="http://schemas.openxmlformats.org/drawingml/2006/main" w="12700">
-          <a:solidFill>
-            <a:schemeClr val="bg1">
-              <a:lumMod val="65000"/>
-            </a:schemeClr>
-          </a:solidFill>
-          <a:prstDash val="dash"/>
-        </a:ln>
-        <a:effectLst xmlns:a="http://schemas.openxmlformats.org/drawingml/2006/main">
-          <a:outerShdw blurRad="50800" dist="38100" dir="5400000" algn="t" rotWithShape="0">
-            <a:prstClr val="black">
-              <a:alpha val="40000"/>
-            </a:prstClr>
-          </a:outerShdw>
-        </a:effectLst>
-      </cdr:spPr>
-      <cdr:style>
-        <a:lnRef xmlns:a="http://schemas.openxmlformats.org/drawingml/2006/main" idx="1">
-          <a:schemeClr val="accent1"/>
-        </a:lnRef>
-        <a:fillRef xmlns:a="http://schemas.openxmlformats.org/drawingml/2006/main" idx="0">
-          <a:schemeClr val="accent1"/>
-        </a:fillRef>
-        <a:effectRef xmlns:a="http://schemas.openxmlformats.org/drawingml/2006/main" idx="0">
-          <a:schemeClr val="accent1"/>
-        </a:effectRef>
-        <a:fontRef xmlns:a="http://schemas.openxmlformats.org/drawingml/2006/main" idx="minor">
-          <a:schemeClr val="tx1"/>
-        </a:fontRef>
-      </cdr:style>
-    </cdr:cxnSp>
-  </cdr:relSizeAnchor>
-  <cdr:relSizeAnchor xmlns:cdr="http://schemas.openxmlformats.org/drawingml/2006/chartDrawing">
-    <cdr:from>
-      <cdr:x>0.24596</cdr:x>
-      <cdr:y>0.62943</cdr:y>
-    </cdr:from>
-    <cdr:to>
-      <cdr:x>0.65177</cdr:x>
-      <cdr:y>0.62943</cdr:y>
-    </cdr:to>
-    <cdr:cxnSp macro="">
-      <cdr:nvCxnSpPr>
-        <cdr:cNvPr id="16" name="Straight Connector 15">
-          <a:extLst xmlns:a="http://schemas.openxmlformats.org/drawingml/2006/main">
-            <a:ext uri="{FF2B5EF4-FFF2-40B4-BE49-F238E27FC236}">
-              <a16:creationId xmlns:a16="http://schemas.microsoft.com/office/drawing/2014/main" id="{A612FA6E-ABA5-9840-9AF3-DEAD602ED5CA}"/>
-            </a:ext>
-          </a:extLst>
-        </cdr:cNvPr>
-        <cdr:cNvCxnSpPr>
-          <a:cxnSpLocks xmlns:a="http://schemas.openxmlformats.org/drawingml/2006/main"/>
-        </cdr:cNvCxnSpPr>
-      </cdr:nvCxnSpPr>
-      <cdr:spPr>
-        <a:xfrm xmlns:a="http://schemas.openxmlformats.org/drawingml/2006/main">
-          <a:off x="2626637" y="3337139"/>
-          <a:ext cx="4333728" cy="0"/>
-        </a:xfrm>
-        <a:prstGeom xmlns:a="http://schemas.openxmlformats.org/drawingml/2006/main" prst="line">
-          <a:avLst/>
-        </a:prstGeom>
-        <a:ln xmlns:a="http://schemas.openxmlformats.org/drawingml/2006/main" w="12700">
-          <a:solidFill>
-            <a:schemeClr val="bg1">
-              <a:lumMod val="65000"/>
-            </a:schemeClr>
-          </a:solidFill>
-          <a:prstDash val="dash"/>
-        </a:ln>
-        <a:effectLst xmlns:a="http://schemas.openxmlformats.org/drawingml/2006/main">
-          <a:outerShdw blurRad="50800" dist="38100" dir="5400000" algn="t" rotWithShape="0">
-            <a:prstClr val="black">
-              <a:alpha val="40000"/>
-            </a:prstClr>
-          </a:outerShdw>
-        </a:effectLst>
-      </cdr:spPr>
-      <cdr:style>
-        <a:lnRef xmlns:a="http://schemas.openxmlformats.org/drawingml/2006/main" idx="1">
-          <a:schemeClr val="accent1"/>
-        </a:lnRef>
-        <a:fillRef xmlns:a="http://schemas.openxmlformats.org/drawingml/2006/main" idx="0">
-          <a:schemeClr val="accent1"/>
-        </a:fillRef>
-        <a:effectRef xmlns:a="http://schemas.openxmlformats.org/drawingml/2006/main" idx="0">
-          <a:schemeClr val="accent1"/>
-        </a:effectRef>
-        <a:fontRef xmlns:a="http://schemas.openxmlformats.org/drawingml/2006/main" idx="minor">
-          <a:schemeClr val="tx1"/>
-        </a:fontRef>
-      </cdr:style>
-    </cdr:cxnSp>
-  </cdr:relSizeAnchor>
-  <cdr:relSizeAnchor xmlns:cdr="http://schemas.openxmlformats.org/drawingml/2006/chartDrawing">
-    <cdr:from>
-      <cdr:x>0.24596</cdr:x>
-      <cdr:y>0.70464</cdr:y>
-    </cdr:from>
-    <cdr:to>
-      <cdr:x>0.65306</cdr:x>
-      <cdr:y>0.70464</cdr:y>
-    </cdr:to>
-    <cdr:cxnSp macro="">
-      <cdr:nvCxnSpPr>
-        <cdr:cNvPr id="18" name="Straight Connector 17">
-          <a:extLst xmlns:a="http://schemas.openxmlformats.org/drawingml/2006/main">
-            <a:ext uri="{FF2B5EF4-FFF2-40B4-BE49-F238E27FC236}">
-              <a16:creationId xmlns:a16="http://schemas.microsoft.com/office/drawing/2014/main" id="{A612FA6E-ABA5-9840-9AF3-DEAD602ED5CA}"/>
-            </a:ext>
-          </a:extLst>
-        </cdr:cNvPr>
-        <cdr:cNvCxnSpPr>
-          <a:cxnSpLocks xmlns:a="http://schemas.openxmlformats.org/drawingml/2006/main"/>
-        </cdr:cNvCxnSpPr>
-      </cdr:nvCxnSpPr>
-      <cdr:spPr>
-        <a:xfrm xmlns:a="http://schemas.openxmlformats.org/drawingml/2006/main">
-          <a:off x="2626637" y="3735901"/>
-          <a:ext cx="4347478" cy="0"/>
-        </a:xfrm>
-        <a:prstGeom xmlns:a="http://schemas.openxmlformats.org/drawingml/2006/main" prst="line">
-          <a:avLst/>
-        </a:prstGeom>
-        <a:ln xmlns:a="http://schemas.openxmlformats.org/drawingml/2006/main" w="12700">
-          <a:solidFill>
-            <a:schemeClr val="bg1">
-              <a:lumMod val="65000"/>
-            </a:schemeClr>
-          </a:solidFill>
-          <a:prstDash val="dash"/>
-        </a:ln>
-        <a:effectLst xmlns:a="http://schemas.openxmlformats.org/drawingml/2006/main">
-          <a:outerShdw blurRad="50800" dist="38100" dir="5400000" algn="t" rotWithShape="0">
-            <a:prstClr val="black">
-              <a:alpha val="40000"/>
-            </a:prstClr>
-          </a:outerShdw>
-        </a:effectLst>
-      </cdr:spPr>
-      <cdr:style>
-        <a:lnRef xmlns:a="http://schemas.openxmlformats.org/drawingml/2006/main" idx="1">
-          <a:schemeClr val="accent1"/>
-        </a:lnRef>
-        <a:fillRef xmlns:a="http://schemas.openxmlformats.org/drawingml/2006/main" idx="0">
-          <a:schemeClr val="accent1"/>
-        </a:fillRef>
-        <a:effectRef xmlns:a="http://schemas.openxmlformats.org/drawingml/2006/main" idx="0">
-          <a:schemeClr val="accent1"/>
-        </a:effectRef>
-        <a:fontRef xmlns:a="http://schemas.openxmlformats.org/drawingml/2006/main" idx="minor">
-          <a:schemeClr val="tx1"/>
-        </a:fontRef>
-      </cdr:style>
-    </cdr:cxnSp>
-  </cdr:relSizeAnchor>
-  <cdr:relSizeAnchor xmlns:cdr="http://schemas.openxmlformats.org/drawingml/2006/chartDrawing">
-    <cdr:from>
-      <cdr:x>0.24596</cdr:x>
-      <cdr:y>0.78245</cdr:y>
-    </cdr:from>
-    <cdr:to>
-      <cdr:x>0.6904</cdr:x>
-      <cdr:y>0.78245</cdr:y>
-    </cdr:to>
-    <cdr:cxnSp macro="">
-      <cdr:nvCxnSpPr>
-        <cdr:cNvPr id="20" name="Straight Connector 19">
-          <a:extLst xmlns:a="http://schemas.openxmlformats.org/drawingml/2006/main">
-            <a:ext uri="{FF2B5EF4-FFF2-40B4-BE49-F238E27FC236}">
-              <a16:creationId xmlns:a16="http://schemas.microsoft.com/office/drawing/2014/main" id="{A612FA6E-ABA5-9840-9AF3-DEAD602ED5CA}"/>
-            </a:ext>
-          </a:extLst>
-        </cdr:cNvPr>
-        <cdr:cNvCxnSpPr>
-          <a:cxnSpLocks xmlns:a="http://schemas.openxmlformats.org/drawingml/2006/main"/>
-        </cdr:cNvCxnSpPr>
-      </cdr:nvCxnSpPr>
-      <cdr:spPr>
-        <a:xfrm xmlns:a="http://schemas.openxmlformats.org/drawingml/2006/main">
-          <a:off x="2626637" y="4148412"/>
-          <a:ext cx="4746239" cy="0"/>
-        </a:xfrm>
-        <a:prstGeom xmlns:a="http://schemas.openxmlformats.org/drawingml/2006/main" prst="line">
-          <a:avLst/>
-        </a:prstGeom>
-        <a:ln xmlns:a="http://schemas.openxmlformats.org/drawingml/2006/main" w="12700">
-          <a:solidFill>
-            <a:schemeClr val="bg1">
-              <a:lumMod val="65000"/>
-            </a:schemeClr>
-          </a:solidFill>
-          <a:prstDash val="dash"/>
-        </a:ln>
-        <a:effectLst xmlns:a="http://schemas.openxmlformats.org/drawingml/2006/main">
-          <a:outerShdw blurRad="50800" dist="38100" dir="5400000" algn="t" rotWithShape="0">
-            <a:prstClr val="black">
-              <a:alpha val="40000"/>
-            </a:prstClr>
-          </a:outerShdw>
-        </a:effectLst>
-      </cdr:spPr>
-      <cdr:style>
-        <a:lnRef xmlns:a="http://schemas.openxmlformats.org/drawingml/2006/main" idx="1">
-          <a:schemeClr val="accent1"/>
-        </a:lnRef>
-        <a:fillRef xmlns:a="http://schemas.openxmlformats.org/drawingml/2006/main" idx="0">
-          <a:schemeClr val="accent1"/>
-        </a:fillRef>
-        <a:effectRef xmlns:a="http://schemas.openxmlformats.org/drawingml/2006/main" idx="0">
-          <a:schemeClr val="accent1"/>
-        </a:effectRef>
-        <a:fontRef xmlns:a="http://schemas.openxmlformats.org/drawingml/2006/main" idx="minor">
-          <a:schemeClr val="tx1"/>
-        </a:fontRef>
-      </cdr:style>
-    </cdr:cxnSp>
-  </cdr:relSizeAnchor>
-  <cdr:relSizeAnchor xmlns:cdr="http://schemas.openxmlformats.org/drawingml/2006/chartDrawing">
-    <cdr:from>
-      <cdr:x>0.24596</cdr:x>
-      <cdr:y>0.86155</cdr:y>
-    </cdr:from>
-    <cdr:to>
-      <cdr:x>0.6904</cdr:x>
-      <cdr:y>0.86155</cdr:y>
-    </cdr:to>
-    <cdr:cxnSp macro="">
-      <cdr:nvCxnSpPr>
-        <cdr:cNvPr id="22" name="Straight Connector 21">
-          <a:extLst xmlns:a="http://schemas.openxmlformats.org/drawingml/2006/main">
-            <a:ext uri="{FF2B5EF4-FFF2-40B4-BE49-F238E27FC236}">
-              <a16:creationId xmlns:a16="http://schemas.microsoft.com/office/drawing/2014/main" id="{A612FA6E-ABA5-9840-9AF3-DEAD602ED5CA}"/>
-            </a:ext>
-          </a:extLst>
-        </cdr:cNvPr>
-        <cdr:cNvCxnSpPr>
-          <a:cxnSpLocks xmlns:a="http://schemas.openxmlformats.org/drawingml/2006/main"/>
-        </cdr:cNvCxnSpPr>
-      </cdr:nvCxnSpPr>
-      <cdr:spPr>
-        <a:xfrm xmlns:a="http://schemas.openxmlformats.org/drawingml/2006/main">
-          <a:off x="2626637" y="4567799"/>
-          <a:ext cx="4746238" cy="0"/>
-        </a:xfrm>
-        <a:prstGeom xmlns:a="http://schemas.openxmlformats.org/drawingml/2006/main" prst="line">
-          <a:avLst/>
-        </a:prstGeom>
-        <a:ln xmlns:a="http://schemas.openxmlformats.org/drawingml/2006/main" w="12700">
-          <a:solidFill>
-            <a:schemeClr val="bg1">
-              <a:lumMod val="65000"/>
-            </a:schemeClr>
-          </a:solidFill>
-          <a:prstDash val="dash"/>
-        </a:ln>
-        <a:effectLst xmlns:a="http://schemas.openxmlformats.org/drawingml/2006/main">
-          <a:outerShdw blurRad="50800" dist="38100" dir="5400000" algn="t" rotWithShape="0">
-            <a:prstClr val="black">
-              <a:alpha val="40000"/>
-            </a:prstClr>
-          </a:outerShdw>
-        </a:effectLst>
-      </cdr:spPr>
-      <cdr:style>
-        <a:lnRef xmlns:a="http://schemas.openxmlformats.org/drawingml/2006/main" idx="1">
-          <a:schemeClr val="accent1"/>
-        </a:lnRef>
-        <a:fillRef xmlns:a="http://schemas.openxmlformats.org/drawingml/2006/main" idx="0">
-          <a:schemeClr val="accent1"/>
-        </a:fillRef>
-        <a:effectRef xmlns:a="http://schemas.openxmlformats.org/drawingml/2006/main" idx="0">
-          <a:schemeClr val="accent1"/>
-        </a:effectRef>
-        <a:fontRef xmlns:a="http://schemas.openxmlformats.org/drawingml/2006/main" idx="minor">
-          <a:schemeClr val="tx1"/>
-        </a:fontRef>
-      </cdr:style>
-    </cdr:cxnSp>
-  </cdr:relSizeAnchor>
-  <cdr:relSizeAnchor xmlns:cdr="http://schemas.openxmlformats.org/drawingml/2006/chartDrawing">
-    <cdr:from>
-      <cdr:x>0.24596</cdr:x>
-      <cdr:y>0.93546</cdr:y>
-    </cdr:from>
-    <cdr:to>
-      <cdr:x>0.76278</cdr:x>
-      <cdr:y>0.93546</cdr:y>
-    </cdr:to>
-    <cdr:cxnSp macro="">
-      <cdr:nvCxnSpPr>
-        <cdr:cNvPr id="24" name="Straight Connector 23">
-          <a:extLst xmlns:a="http://schemas.openxmlformats.org/drawingml/2006/main">
-            <a:ext uri="{FF2B5EF4-FFF2-40B4-BE49-F238E27FC236}">
-              <a16:creationId xmlns:a16="http://schemas.microsoft.com/office/drawing/2014/main" id="{A612FA6E-ABA5-9840-9AF3-DEAD602ED5CA}"/>
-            </a:ext>
-          </a:extLst>
-        </cdr:cNvPr>
-        <cdr:cNvCxnSpPr>
-          <a:cxnSpLocks xmlns:a="http://schemas.openxmlformats.org/drawingml/2006/main"/>
-        </cdr:cNvCxnSpPr>
-      </cdr:nvCxnSpPr>
-      <cdr:spPr>
-        <a:xfrm xmlns:a="http://schemas.openxmlformats.org/drawingml/2006/main">
-          <a:off x="2626637" y="4959684"/>
-          <a:ext cx="5519232" cy="0"/>
-        </a:xfrm>
-        <a:prstGeom xmlns:a="http://schemas.openxmlformats.org/drawingml/2006/main" prst="line">
-          <a:avLst/>
-        </a:prstGeom>
-        <a:ln xmlns:a="http://schemas.openxmlformats.org/drawingml/2006/main" w="12700">
-          <a:solidFill>
-            <a:schemeClr val="bg1">
-              <a:lumMod val="65000"/>
-            </a:schemeClr>
-          </a:solidFill>
-          <a:prstDash val="dash"/>
-        </a:ln>
-        <a:effectLst xmlns:a="http://schemas.openxmlformats.org/drawingml/2006/main">
-          <a:outerShdw blurRad="50800" dist="38100" dir="5400000" algn="t" rotWithShape="0">
-            <a:prstClr val="black">
-              <a:alpha val="40000"/>
-            </a:prstClr>
-          </a:outerShdw>
-        </a:effectLst>
-      </cdr:spPr>
-      <cdr:style>
-        <a:lnRef xmlns:a="http://schemas.openxmlformats.org/drawingml/2006/main" idx="1">
-          <a:schemeClr val="accent1"/>
-        </a:lnRef>
-        <a:fillRef xmlns:a="http://schemas.openxmlformats.org/drawingml/2006/main" idx="0">
-          <a:schemeClr val="accent1"/>
-        </a:fillRef>
-        <a:effectRef xmlns:a="http://schemas.openxmlformats.org/drawingml/2006/main" idx="0">
-          <a:schemeClr val="accent1"/>
-        </a:effectRef>
-        <a:fontRef xmlns:a="http://schemas.openxmlformats.org/drawingml/2006/main" idx="minor">
-          <a:schemeClr val="tx1"/>
-        </a:fontRef>
-      </cdr:style>
-    </cdr:cxnSp>
   </cdr:relSizeAnchor>
 </c:userShapes>
 </file>
@@ -2894,7 +1933,7 @@
           <a:p>
             <a:fld id="{4659662C-5898-334C-8E66-D7AE13DEA0CD}" type="datetimeFigureOut">
               <a:rPr lang="en-US" smtClean="0"/>
-              <a:t>12/3/18</a:t>
+              <a:t>12/4/18</a:t>
             </a:fld>
             <a:endParaRPr lang="en-US"/>
           </a:p>
@@ -3092,7 +2131,7 @@
           <a:p>
             <a:fld id="{4659662C-5898-334C-8E66-D7AE13DEA0CD}" type="datetimeFigureOut">
               <a:rPr lang="en-US" smtClean="0"/>
-              <a:t>12/3/18</a:t>
+              <a:t>12/4/18</a:t>
             </a:fld>
             <a:endParaRPr lang="en-US"/>
           </a:p>
@@ -3300,7 +2339,7 @@
           <a:p>
             <a:fld id="{4659662C-5898-334C-8E66-D7AE13DEA0CD}" type="datetimeFigureOut">
               <a:rPr lang="en-US" smtClean="0"/>
-              <a:t>12/3/18</a:t>
+              <a:t>12/4/18</a:t>
             </a:fld>
             <a:endParaRPr lang="en-US"/>
           </a:p>
@@ -3498,7 +2537,7 @@
           <a:p>
             <a:fld id="{4659662C-5898-334C-8E66-D7AE13DEA0CD}" type="datetimeFigureOut">
               <a:rPr lang="en-US" smtClean="0"/>
-              <a:t>12/3/18</a:t>
+              <a:t>12/4/18</a:t>
             </a:fld>
             <a:endParaRPr lang="en-US"/>
           </a:p>
@@ -3773,7 +2812,7 @@
           <a:p>
             <a:fld id="{4659662C-5898-334C-8E66-D7AE13DEA0CD}" type="datetimeFigureOut">
               <a:rPr lang="en-US" smtClean="0"/>
-              <a:t>12/3/18</a:t>
+              <a:t>12/4/18</a:t>
             </a:fld>
             <a:endParaRPr lang="en-US"/>
           </a:p>
@@ -4038,7 +3077,7 @@
           <a:p>
             <a:fld id="{4659662C-5898-334C-8E66-D7AE13DEA0CD}" type="datetimeFigureOut">
               <a:rPr lang="en-US" smtClean="0"/>
-              <a:t>12/3/18</a:t>
+              <a:t>12/4/18</a:t>
             </a:fld>
             <a:endParaRPr lang="en-US"/>
           </a:p>
@@ -4450,7 +3489,7 @@
           <a:p>
             <a:fld id="{4659662C-5898-334C-8E66-D7AE13DEA0CD}" type="datetimeFigureOut">
               <a:rPr lang="en-US" smtClean="0"/>
-              <a:t>12/3/18</a:t>
+              <a:t>12/4/18</a:t>
             </a:fld>
             <a:endParaRPr lang="en-US"/>
           </a:p>
@@ -4591,7 +3630,7 @@
           <a:p>
             <a:fld id="{4659662C-5898-334C-8E66-D7AE13DEA0CD}" type="datetimeFigureOut">
               <a:rPr lang="en-US" smtClean="0"/>
-              <a:t>12/3/18</a:t>
+              <a:t>12/4/18</a:t>
             </a:fld>
             <a:endParaRPr lang="en-US"/>
           </a:p>
@@ -4704,7 +3743,7 @@
           <a:p>
             <a:fld id="{4659662C-5898-334C-8E66-D7AE13DEA0CD}" type="datetimeFigureOut">
               <a:rPr lang="en-US" smtClean="0"/>
-              <a:t>12/3/18</a:t>
+              <a:t>12/4/18</a:t>
             </a:fld>
             <a:endParaRPr lang="en-US"/>
           </a:p>
@@ -5015,7 +4054,7 @@
           <a:p>
             <a:fld id="{4659662C-5898-334C-8E66-D7AE13DEA0CD}" type="datetimeFigureOut">
               <a:rPr lang="en-US" smtClean="0"/>
-              <a:t>12/3/18</a:t>
+              <a:t>12/4/18</a:t>
             </a:fld>
             <a:endParaRPr lang="en-US"/>
           </a:p>
@@ -5303,7 +4342,7 @@
           <a:p>
             <a:fld id="{4659662C-5898-334C-8E66-D7AE13DEA0CD}" type="datetimeFigureOut">
               <a:rPr lang="en-US" smtClean="0"/>
-              <a:t>12/3/18</a:t>
+              <a:t>12/4/18</a:t>
             </a:fld>
             <a:endParaRPr lang="en-US"/>
           </a:p>
@@ -5544,7 +4583,7 @@
           <a:p>
             <a:fld id="{4659662C-5898-334C-8E66-D7AE13DEA0CD}" type="datetimeFigureOut">
               <a:rPr lang="en-US" smtClean="0"/>
-              <a:t>12/3/18</a:t>
+              <a:t>12/4/18</a:t>
             </a:fld>
             <a:endParaRPr lang="en-US"/>
           </a:p>
@@ -5963,7 +5002,7 @@
       </p:grpSpPr>
       <p:graphicFrame>
         <p:nvGraphicFramePr>
-          <p:cNvPr id="6" name="Chart 5">
+          <p:cNvPr id="40" name="Chart 39">
             <a:extLst>
               <a:ext uri="{FF2B5EF4-FFF2-40B4-BE49-F238E27FC236}">
                 <a16:creationId xmlns:a16="http://schemas.microsoft.com/office/drawing/2014/main" id="{08E395AD-2FC8-4C46-9A54-AFBB91036C38}"/>
@@ -5971,19 +5010,19 @@
             </a:extLst>
           </p:cNvPr>
           <p:cNvGraphicFramePr>
-            <a:graphicFrameLocks/>
+            <a:graphicFrameLocks noChangeAspect="1"/>
           </p:cNvGraphicFramePr>
           <p:nvPr>
             <p:extLst>
               <p:ext uri="{D42A27DB-BD31-4B8C-83A1-F6EECF244321}">
-                <p14:modId xmlns:p14="http://schemas.microsoft.com/office/powerpoint/2010/main" val="4268299808"/>
+                <p14:modId xmlns:p14="http://schemas.microsoft.com/office/powerpoint/2010/main" val="845714400"/>
               </p:ext>
             </p:extLst>
           </p:nvPr>
         </p:nvGraphicFramePr>
         <p:xfrm>
-          <a:off x="645953" y="951167"/>
-          <a:ext cx="10679185" cy="5301842"/>
+          <a:off x="644944" y="1147672"/>
+          <a:ext cx="10680192" cy="5098294"/>
         </p:xfrm>
         <a:graphic>
           <a:graphicData uri="http://schemas.openxmlformats.org/drawingml/2006/chart">
@@ -5993,10 +5032,10 @@
       </p:graphicFrame>
       <p:pic>
         <p:nvPicPr>
-          <p:cNvPr id="7" name="Picture 6">
-            <a:extLst>
-              <a:ext uri="{FF2B5EF4-FFF2-40B4-BE49-F238E27FC236}">
-                <a16:creationId xmlns:a16="http://schemas.microsoft.com/office/drawing/2014/main" id="{B2AA7678-1659-0E41-8409-3E1FE0324E0E}"/>
+          <p:cNvPr id="13" name="Picture 12">
+            <a:extLst>
+              <a:ext uri="{FF2B5EF4-FFF2-40B4-BE49-F238E27FC236}">
+                <a16:creationId xmlns:a16="http://schemas.microsoft.com/office/drawing/2014/main" id="{2E4B9A5A-ACA7-964D-845E-23B511004231}"/>
               </a:ext>
             </a:extLst>
           </p:cNvPr>
@@ -6005,28 +5044,85 @@
           </p:cNvPicPr>
           <p:nvPr/>
         </p:nvPicPr>
-        <p:blipFill>
+        <p:blipFill rotWithShape="1">
           <a:blip r:embed="rId3"/>
-          <a:stretch>
-            <a:fillRect/>
-          </a:stretch>
+          <a:srcRect t="12035" b="-1"/>
+          <a:stretch/>
         </p:blipFill>
         <p:spPr>
           <a:xfrm>
-            <a:off x="10503017" y="3207215"/>
-            <a:ext cx="822121" cy="462443"/>
+            <a:off x="645952" y="6250542"/>
+            <a:ext cx="10679185" cy="127191"/>
           </a:xfrm>
           <a:prstGeom prst="rect">
             <a:avLst/>
           </a:prstGeom>
         </p:spPr>
       </p:pic>
-      <p:sp>
-        <p:nvSpPr>
-          <p:cNvPr id="5" name="TextBox 4">
-            <a:extLst>
-              <a:ext uri="{FF2B5EF4-FFF2-40B4-BE49-F238E27FC236}">
-                <a16:creationId xmlns:a16="http://schemas.microsoft.com/office/drawing/2014/main" id="{6ECD7661-FB60-4442-9A29-D819F93CAEE2}"/>
+      <p:pic>
+        <p:nvPicPr>
+          <p:cNvPr id="15" name="Picture 14">
+            <a:extLst>
+              <a:ext uri="{FF2B5EF4-FFF2-40B4-BE49-F238E27FC236}">
+                <a16:creationId xmlns:a16="http://schemas.microsoft.com/office/drawing/2014/main" id="{576979DA-B0DB-DB43-ABC1-404B807D6D30}"/>
+              </a:ext>
+            </a:extLst>
+          </p:cNvPr>
+          <p:cNvPicPr>
+            <a:picLocks noChangeAspect="1"/>
+          </p:cNvPicPr>
+          <p:nvPr/>
+        </p:nvPicPr>
+        <p:blipFill rotWithShape="1">
+          <a:blip r:embed="rId3"/>
+          <a:srcRect t="12035" b="-1"/>
+          <a:stretch/>
+        </p:blipFill>
+        <p:spPr>
+          <a:xfrm>
+            <a:off x="645951" y="6377733"/>
+            <a:ext cx="10679185" cy="127191"/>
+          </a:xfrm>
+          <a:prstGeom prst="rect">
+            <a:avLst/>
+          </a:prstGeom>
+        </p:spPr>
+      </p:pic>
+      <p:pic>
+        <p:nvPicPr>
+          <p:cNvPr id="16" name="Picture 15">
+            <a:extLst>
+              <a:ext uri="{FF2B5EF4-FFF2-40B4-BE49-F238E27FC236}">
+                <a16:creationId xmlns:a16="http://schemas.microsoft.com/office/drawing/2014/main" id="{F7E1E849-320D-0140-A6DE-A98A133E985D}"/>
+              </a:ext>
+            </a:extLst>
+          </p:cNvPr>
+          <p:cNvPicPr>
+            <a:picLocks noChangeAspect="1"/>
+          </p:cNvPicPr>
+          <p:nvPr/>
+        </p:nvPicPr>
+        <p:blipFill rotWithShape="1">
+          <a:blip r:embed="rId3"/>
+          <a:srcRect t="12035" b="-1"/>
+          <a:stretch/>
+        </p:blipFill>
+        <p:spPr>
+          <a:xfrm>
+            <a:off x="645951" y="6504924"/>
+            <a:ext cx="10679185" cy="127191"/>
+          </a:xfrm>
+          <a:prstGeom prst="rect">
+            <a:avLst/>
+          </a:prstGeom>
+        </p:spPr>
+      </p:pic>
+      <p:sp>
+        <p:nvSpPr>
+          <p:cNvPr id="14" name="TextBox 13">
+            <a:extLst>
+              <a:ext uri="{FF2B5EF4-FFF2-40B4-BE49-F238E27FC236}">
+                <a16:creationId xmlns:a16="http://schemas.microsoft.com/office/drawing/2014/main" id="{B6B33090-72B1-6645-9682-A33277B540DB}"/>
               </a:ext>
             </a:extLst>
           </p:cNvPr>
@@ -6035,8 +5131,8 @@
         </p:nvSpPr>
         <p:spPr>
           <a:xfrm>
-            <a:off x="10364132" y="3418301"/>
-            <a:ext cx="1216404" cy="1041824"/>
+            <a:off x="4399621" y="6199203"/>
+            <a:ext cx="4647944" cy="323165"/>
           </a:xfrm>
           <a:prstGeom prst="rect">
             <a:avLst/>
@@ -6049,124 +5145,54 @@
           </a:bodyPr>
           <a:lstStyle/>
           <a:p>
-            <a:pPr>
-              <a:lnSpc>
-                <a:spcPct val="150000"/>
-              </a:lnSpc>
-            </a:pPr>
-            <a:r>
-              <a:rPr lang="en-US" sz="700" dirty="0">
+            <a:r>
+              <a:rPr lang="en-US" sz="1500" b="1" dirty="0">
                 <a:solidFill>
-                  <a:schemeClr val="bg1">
-                    <a:lumMod val="75000"/>
+                  <a:schemeClr val="accent4">
+                    <a:lumMod val="40000"/>
+                    <a:lumOff val="60000"/>
                   </a:schemeClr>
                 </a:solidFill>
                 <a:latin typeface="Arial" panose="020B0604020202020204" pitchFamily="34" charset="0"/>
                 <a:cs typeface="Arial" panose="020B0604020202020204" pitchFamily="34" charset="0"/>
               </a:rPr>
-              <a:t>Finished</a:t>
-            </a:r>
-          </a:p>
-          <a:p>
-            <a:pPr>
-              <a:lnSpc>
-                <a:spcPct val="150000"/>
-              </a:lnSpc>
-            </a:pPr>
-            <a:r>
-              <a:rPr lang="en-US" sz="700" dirty="0">
+              <a:t>CS 7000 Report – </a:t>
+            </a:r>
+            <a:r>
+              <a:rPr lang="en-US" sz="1500" b="1" dirty="0" err="1">
                 <a:solidFill>
-                  <a:schemeClr val="bg1">
-                    <a:lumMod val="75000"/>
+                  <a:schemeClr val="accent4">
+                    <a:lumMod val="40000"/>
+                    <a:lumOff val="60000"/>
                   </a:schemeClr>
                 </a:solidFill>
                 <a:latin typeface="Arial" panose="020B0604020202020204" pitchFamily="34" charset="0"/>
                 <a:cs typeface="Arial" panose="020B0604020202020204" pitchFamily="34" charset="0"/>
               </a:rPr>
-              <a:t>Ongoing</a:t>
-            </a:r>
-          </a:p>
-          <a:p>
-            <a:pPr>
-              <a:lnSpc>
-                <a:spcPct val="150000"/>
-              </a:lnSpc>
-            </a:pPr>
-            <a:r>
-              <a:rPr lang="en-US" sz="700" dirty="0">
+              <a:t>Huyen</a:t>
+            </a:r>
+            <a:r>
+              <a:rPr lang="en-US" sz="1500" b="1" dirty="0">
                 <a:solidFill>
-                  <a:schemeClr val="bg1">
-                    <a:lumMod val="75000"/>
+                  <a:schemeClr val="accent4">
+                    <a:lumMod val="40000"/>
+                    <a:lumOff val="60000"/>
                   </a:schemeClr>
                 </a:solidFill>
                 <a:latin typeface="Arial" panose="020B0604020202020204" pitchFamily="34" charset="0"/>
                 <a:cs typeface="Arial" panose="020B0604020202020204" pitchFamily="34" charset="0"/>
               </a:rPr>
-              <a:t>On hold</a:t>
-            </a:r>
-          </a:p>
-          <a:p>
-            <a:pPr>
-              <a:lnSpc>
-                <a:spcPct val="150000"/>
-              </a:lnSpc>
-            </a:pPr>
-            <a:r>
-              <a:rPr lang="en-US" sz="700" dirty="0">
-                <a:solidFill>
-                  <a:schemeClr val="bg1">
-                    <a:lumMod val="75000"/>
-                  </a:schemeClr>
-                </a:solidFill>
-                <a:latin typeface="Arial" panose="020B0604020202020204" pitchFamily="34" charset="0"/>
-                <a:cs typeface="Arial" panose="020B0604020202020204" pitchFamily="34" charset="0"/>
-              </a:rPr>
-              <a:t>Milestone: </a:t>
-            </a:r>
-          </a:p>
-          <a:p>
-            <a:pPr>
-              <a:lnSpc>
-                <a:spcPct val="150000"/>
-              </a:lnSpc>
-            </a:pPr>
-            <a:r>
-              <a:rPr lang="en-US" sz="700" dirty="0">
-                <a:solidFill>
-                  <a:schemeClr val="bg1">
-                    <a:lumMod val="75000"/>
-                  </a:schemeClr>
-                </a:solidFill>
-                <a:latin typeface="Arial" panose="020B0604020202020204" pitchFamily="34" charset="0"/>
-                <a:cs typeface="Arial" panose="020B0604020202020204" pitchFamily="34" charset="0"/>
-              </a:rPr>
-              <a:t>Submission deadline</a:t>
-            </a:r>
-          </a:p>
-          <a:p>
-            <a:pPr>
-              <a:lnSpc>
-                <a:spcPct val="150000"/>
-              </a:lnSpc>
-            </a:pPr>
-            <a:endParaRPr lang="en-US" sz="700" dirty="0">
-              <a:solidFill>
-                <a:schemeClr val="bg1">
-                  <a:lumMod val="75000"/>
-                </a:schemeClr>
-              </a:solidFill>
-              <a:latin typeface="Arial" panose="020B0604020202020204" pitchFamily="34" charset="0"/>
-              <a:cs typeface="Arial" panose="020B0604020202020204" pitchFamily="34" charset="0"/>
-            </a:endParaRPr>
+              <a:t> N. Nguyen</a:t>
+            </a:r>
           </a:p>
         </p:txBody>
       </p:sp>
       <p:pic>
         <p:nvPicPr>
-          <p:cNvPr id="9" name="Picture 8">
-            <a:extLst>
-              <a:ext uri="{FF2B5EF4-FFF2-40B4-BE49-F238E27FC236}">
-                <a16:creationId xmlns:a16="http://schemas.microsoft.com/office/drawing/2014/main" id="{DDA8EC91-8029-FF45-B5F9-836BF14306BD}"/>
+          <p:cNvPr id="7" name="Picture 6">
+            <a:extLst>
+              <a:ext uri="{FF2B5EF4-FFF2-40B4-BE49-F238E27FC236}">
+                <a16:creationId xmlns:a16="http://schemas.microsoft.com/office/drawing/2014/main" id="{B2AA7678-1659-0E41-8409-3E1FE0324E0E}"/>
               </a:ext>
             </a:extLst>
           </p:cNvPr>
@@ -6183,7 +5209,142 @@
         </p:blipFill>
         <p:spPr>
           <a:xfrm>
-            <a:off x="10318412" y="3665459"/>
+            <a:off x="10427476" y="3429000"/>
+            <a:ext cx="822121" cy="462443"/>
+          </a:xfrm>
+          <a:prstGeom prst="rect">
+            <a:avLst/>
+          </a:prstGeom>
+        </p:spPr>
+      </p:pic>
+      <p:sp>
+        <p:nvSpPr>
+          <p:cNvPr id="5" name="TextBox 4">
+            <a:extLst>
+              <a:ext uri="{FF2B5EF4-FFF2-40B4-BE49-F238E27FC236}">
+                <a16:creationId xmlns:a16="http://schemas.microsoft.com/office/drawing/2014/main" id="{6ECD7661-FB60-4442-9A29-D819F93CAEE2}"/>
+              </a:ext>
+            </a:extLst>
+          </p:cNvPr>
+          <p:cNvSpPr txBox="1"/>
+          <p:nvPr/>
+        </p:nvSpPr>
+        <p:spPr>
+          <a:xfrm>
+            <a:off x="10651496" y="3595710"/>
+            <a:ext cx="598101" cy="718658"/>
+          </a:xfrm>
+          <a:prstGeom prst="rect">
+            <a:avLst/>
+          </a:prstGeom>
+          <a:noFill/>
+        </p:spPr>
+        <p:txBody>
+          <a:bodyPr wrap="square" rtlCol="0">
+            <a:spAutoFit/>
+          </a:bodyPr>
+          <a:lstStyle/>
+          <a:p>
+            <a:pPr>
+              <a:lnSpc>
+                <a:spcPct val="150000"/>
+              </a:lnSpc>
+            </a:pPr>
+            <a:r>
+              <a:rPr lang="en-US" sz="700" dirty="0">
+                <a:solidFill>
+                  <a:schemeClr val="bg1">
+                    <a:lumMod val="75000"/>
+                  </a:schemeClr>
+                </a:solidFill>
+                <a:latin typeface="Arial" panose="020B0604020202020204" pitchFamily="34" charset="0"/>
+                <a:cs typeface="Arial" panose="020B0604020202020204" pitchFamily="34" charset="0"/>
+              </a:rPr>
+              <a:t>Finished</a:t>
+            </a:r>
+          </a:p>
+          <a:p>
+            <a:pPr>
+              <a:lnSpc>
+                <a:spcPct val="150000"/>
+              </a:lnSpc>
+            </a:pPr>
+            <a:r>
+              <a:rPr lang="en-US" sz="700" dirty="0">
+                <a:solidFill>
+                  <a:schemeClr val="bg1">
+                    <a:lumMod val="75000"/>
+                  </a:schemeClr>
+                </a:solidFill>
+                <a:latin typeface="Arial" panose="020B0604020202020204" pitchFamily="34" charset="0"/>
+                <a:cs typeface="Arial" panose="020B0604020202020204" pitchFamily="34" charset="0"/>
+              </a:rPr>
+              <a:t>Ongoing</a:t>
+            </a:r>
+          </a:p>
+          <a:p>
+            <a:pPr>
+              <a:lnSpc>
+                <a:spcPct val="150000"/>
+              </a:lnSpc>
+            </a:pPr>
+            <a:r>
+              <a:rPr lang="en-US" sz="700" dirty="0">
+                <a:solidFill>
+                  <a:schemeClr val="bg1">
+                    <a:lumMod val="75000"/>
+                  </a:schemeClr>
+                </a:solidFill>
+                <a:latin typeface="Arial" panose="020B0604020202020204" pitchFamily="34" charset="0"/>
+                <a:cs typeface="Arial" panose="020B0604020202020204" pitchFamily="34" charset="0"/>
+              </a:rPr>
+              <a:t>On hold</a:t>
+            </a:r>
+          </a:p>
+          <a:p>
+            <a:pPr>
+              <a:lnSpc>
+                <a:spcPct val="150000"/>
+              </a:lnSpc>
+            </a:pPr>
+            <a:r>
+              <a:rPr lang="en-US" sz="700" dirty="0">
+                <a:solidFill>
+                  <a:schemeClr val="bg1">
+                    <a:lumMod val="75000"/>
+                  </a:schemeClr>
+                </a:solidFill>
+                <a:latin typeface="Arial" panose="020B0604020202020204" pitchFamily="34" charset="0"/>
+                <a:cs typeface="Arial" panose="020B0604020202020204" pitchFamily="34" charset="0"/>
+              </a:rPr>
+              <a:t>Milestone</a:t>
+            </a:r>
+          </a:p>
+        </p:txBody>
+      </p:sp>
+      <p:pic>
+        <p:nvPicPr>
+          <p:cNvPr id="9" name="Picture 8">
+            <a:extLst>
+              <a:ext uri="{FF2B5EF4-FFF2-40B4-BE49-F238E27FC236}">
+                <a16:creationId xmlns:a16="http://schemas.microsoft.com/office/drawing/2014/main" id="{DDA8EC91-8029-FF45-B5F9-836BF14306BD}"/>
+              </a:ext>
+            </a:extLst>
+          </p:cNvPr>
+          <p:cNvPicPr>
+            <a:picLocks noChangeAspect="1"/>
+          </p:cNvPicPr>
+          <p:nvPr/>
+        </p:nvPicPr>
+        <p:blipFill>
+          <a:blip r:embed="rId5"/>
+          <a:stretch>
+            <a:fillRect/>
+          </a:stretch>
+        </p:blipFill>
+        <p:spPr>
+          <a:xfrm>
+            <a:off x="10610160" y="3847045"/>
             <a:ext cx="91440" cy="91440"/>
           </a:xfrm>
           <a:prstGeom prst="rect">
@@ -6213,14 +5374,14 @@
           <p:nvPr/>
         </p:nvPicPr>
         <p:blipFill>
-          <a:blip r:embed="rId5"/>
+          <a:blip r:embed="rId6"/>
           <a:stretch>
             <a:fillRect/>
           </a:stretch>
         </p:blipFill>
         <p:spPr>
           <a:xfrm>
-            <a:off x="10318412" y="3820270"/>
+            <a:off x="10610160" y="3995230"/>
             <a:ext cx="91440" cy="91440"/>
           </a:xfrm>
           <a:prstGeom prst="rect">
@@ -6250,14 +5411,14 @@
           <p:nvPr/>
         </p:nvPicPr>
         <p:blipFill>
-          <a:blip r:embed="rId6"/>
+          <a:blip r:embed="rId7"/>
           <a:stretch>
             <a:fillRect/>
           </a:stretch>
         </p:blipFill>
         <p:spPr>
           <a:xfrm>
-            <a:off x="10318412" y="3510647"/>
+            <a:off x="10610160" y="3698859"/>
             <a:ext cx="91441" cy="91441"/>
           </a:xfrm>
           <a:prstGeom prst="rect">
@@ -6272,169 +5433,12 @@
           </a:effectLst>
         </p:spPr>
       </p:pic>
-      <p:pic>
-        <p:nvPicPr>
-          <p:cNvPr id="13" name="Picture 12">
-            <a:extLst>
-              <a:ext uri="{FF2B5EF4-FFF2-40B4-BE49-F238E27FC236}">
-                <a16:creationId xmlns:a16="http://schemas.microsoft.com/office/drawing/2014/main" id="{2E4B9A5A-ACA7-964D-845E-23B511004231}"/>
-              </a:ext>
-            </a:extLst>
-          </p:cNvPr>
-          <p:cNvPicPr>
-            <a:picLocks noChangeAspect="1"/>
-          </p:cNvPicPr>
-          <p:nvPr/>
-        </p:nvPicPr>
-        <p:blipFill rotWithShape="1">
-          <a:blip r:embed="rId7"/>
-          <a:srcRect t="12035" b="-1"/>
-          <a:stretch/>
-        </p:blipFill>
-        <p:spPr>
-          <a:xfrm>
-            <a:off x="645952" y="6250542"/>
-            <a:ext cx="10679185" cy="127191"/>
-          </a:xfrm>
-          <a:prstGeom prst="rect">
-            <a:avLst/>
-          </a:prstGeom>
-        </p:spPr>
-      </p:pic>
-      <p:pic>
-        <p:nvPicPr>
-          <p:cNvPr id="15" name="Picture 14">
-            <a:extLst>
-              <a:ext uri="{FF2B5EF4-FFF2-40B4-BE49-F238E27FC236}">
-                <a16:creationId xmlns:a16="http://schemas.microsoft.com/office/drawing/2014/main" id="{576979DA-B0DB-DB43-ABC1-404B807D6D30}"/>
-              </a:ext>
-            </a:extLst>
-          </p:cNvPr>
-          <p:cNvPicPr>
-            <a:picLocks noChangeAspect="1"/>
-          </p:cNvPicPr>
-          <p:nvPr/>
-        </p:nvPicPr>
-        <p:blipFill rotWithShape="1">
-          <a:blip r:embed="rId7"/>
-          <a:srcRect t="12035" b="-1"/>
-          <a:stretch/>
-        </p:blipFill>
-        <p:spPr>
-          <a:xfrm>
-            <a:off x="645951" y="6377733"/>
-            <a:ext cx="10679185" cy="127191"/>
-          </a:xfrm>
-          <a:prstGeom prst="rect">
-            <a:avLst/>
-          </a:prstGeom>
-        </p:spPr>
-      </p:pic>
-      <p:pic>
-        <p:nvPicPr>
-          <p:cNvPr id="16" name="Picture 15">
-            <a:extLst>
-              <a:ext uri="{FF2B5EF4-FFF2-40B4-BE49-F238E27FC236}">
-                <a16:creationId xmlns:a16="http://schemas.microsoft.com/office/drawing/2014/main" id="{F7E1E849-320D-0140-A6DE-A98A133E985D}"/>
-              </a:ext>
-            </a:extLst>
-          </p:cNvPr>
-          <p:cNvPicPr>
-            <a:picLocks noChangeAspect="1"/>
-          </p:cNvPicPr>
-          <p:nvPr/>
-        </p:nvPicPr>
-        <p:blipFill rotWithShape="1">
-          <a:blip r:embed="rId7"/>
-          <a:srcRect t="12035" b="-1"/>
-          <a:stretch/>
-        </p:blipFill>
-        <p:spPr>
-          <a:xfrm>
-            <a:off x="645951" y="6504924"/>
-            <a:ext cx="10679185" cy="127191"/>
-          </a:xfrm>
-          <a:prstGeom prst="rect">
-            <a:avLst/>
-          </a:prstGeom>
-        </p:spPr>
-      </p:pic>
-      <p:sp>
-        <p:nvSpPr>
-          <p:cNvPr id="14" name="TextBox 13">
-            <a:extLst>
-              <a:ext uri="{FF2B5EF4-FFF2-40B4-BE49-F238E27FC236}">
-                <a16:creationId xmlns:a16="http://schemas.microsoft.com/office/drawing/2014/main" id="{B6B33090-72B1-6645-9682-A33277B540DB}"/>
-              </a:ext>
-            </a:extLst>
-          </p:cNvPr>
-          <p:cNvSpPr txBox="1"/>
-          <p:nvPr/>
-        </p:nvSpPr>
-        <p:spPr>
-          <a:xfrm>
-            <a:off x="4604674" y="6273609"/>
-            <a:ext cx="4647944" cy="276999"/>
-          </a:xfrm>
-          <a:prstGeom prst="rect">
-            <a:avLst/>
-          </a:prstGeom>
-          <a:noFill/>
-        </p:spPr>
-        <p:txBody>
-          <a:bodyPr wrap="square" rtlCol="0">
-            <a:spAutoFit/>
-          </a:bodyPr>
-          <a:lstStyle/>
-          <a:p>
-            <a:r>
-              <a:rPr lang="en-US" sz="1200" b="1" dirty="0">
-                <a:solidFill>
-                  <a:schemeClr val="accent4">
-                    <a:lumMod val="40000"/>
-                    <a:lumOff val="60000"/>
-                  </a:schemeClr>
-                </a:solidFill>
-                <a:latin typeface="Arial" panose="020B0604020202020204" pitchFamily="34" charset="0"/>
-                <a:cs typeface="Arial" panose="020B0604020202020204" pitchFamily="34" charset="0"/>
-              </a:rPr>
-              <a:t>CS 7000 Report – </a:t>
-            </a:r>
-            <a:r>
-              <a:rPr lang="en-US" sz="1200" b="1" dirty="0" err="1">
-                <a:solidFill>
-                  <a:schemeClr val="accent4">
-                    <a:lumMod val="40000"/>
-                    <a:lumOff val="60000"/>
-                  </a:schemeClr>
-                </a:solidFill>
-                <a:latin typeface="Arial" panose="020B0604020202020204" pitchFamily="34" charset="0"/>
-                <a:cs typeface="Arial" panose="020B0604020202020204" pitchFamily="34" charset="0"/>
-              </a:rPr>
-              <a:t>Huyen</a:t>
-            </a:r>
-            <a:r>
-              <a:rPr lang="en-US" sz="1200" b="1" dirty="0">
-                <a:solidFill>
-                  <a:schemeClr val="accent4">
-                    <a:lumMod val="40000"/>
-                    <a:lumOff val="60000"/>
-                  </a:schemeClr>
-                </a:solidFill>
-                <a:latin typeface="Arial" panose="020B0604020202020204" pitchFamily="34" charset="0"/>
-                <a:cs typeface="Arial" panose="020B0604020202020204" pitchFamily="34" charset="0"/>
-              </a:rPr>
-              <a:t> N. Nguyen</a:t>
-            </a:r>
-          </a:p>
-        </p:txBody>
-      </p:sp>
       <p:cxnSp>
         <p:nvCxnSpPr>
-          <p:cNvPr id="18" name="Straight Connector 17">
-            <a:extLst>
-              <a:ext uri="{FF2B5EF4-FFF2-40B4-BE49-F238E27FC236}">
-                <a16:creationId xmlns:a16="http://schemas.microsoft.com/office/drawing/2014/main" id="{A612FA6E-ABA5-9840-9AF3-DEAD602ED5CA}"/>
+          <p:cNvPr id="20" name="Straight Connector 19">
+            <a:extLst>
+              <a:ext uri="{FF2B5EF4-FFF2-40B4-BE49-F238E27FC236}">
+                <a16:creationId xmlns:a16="http://schemas.microsoft.com/office/drawing/2014/main" id="{1E69AF30-2366-E641-AA70-54A44B2E90B4}"/>
               </a:ext>
             </a:extLst>
           </p:cNvPr>
@@ -6445,7 +5449,60 @@
         </p:nvCxnSpPr>
         <p:spPr>
           <a:xfrm>
-            <a:off x="3272590" y="1870051"/>
+            <a:off x="3037780" y="3057545"/>
+            <a:ext cx="2723683" cy="0"/>
+          </a:xfrm>
+          <a:prstGeom prst="line">
+            <a:avLst/>
+          </a:prstGeom>
+          <a:ln w="12700">
+            <a:solidFill>
+              <a:schemeClr val="bg1">
+                <a:lumMod val="65000"/>
+              </a:schemeClr>
+            </a:solidFill>
+            <a:prstDash val="dash"/>
+          </a:ln>
+          <a:effectLst>
+            <a:outerShdw blurRad="50800" dist="38100" dir="5400000" algn="t" rotWithShape="0">
+              <a:prstClr val="black">
+                <a:alpha val="40000"/>
+              </a:prstClr>
+            </a:outerShdw>
+          </a:effectLst>
+        </p:spPr>
+        <p:style>
+          <a:lnRef idx="1">
+            <a:schemeClr val="accent1"/>
+          </a:lnRef>
+          <a:fillRef idx="0">
+            <a:schemeClr val="accent1"/>
+          </a:fillRef>
+          <a:effectRef idx="0">
+            <a:schemeClr val="accent1"/>
+          </a:effectRef>
+          <a:fontRef idx="minor">
+            <a:schemeClr val="tx1"/>
+          </a:fontRef>
+        </p:style>
+      </p:cxnSp>
+      <p:cxnSp>
+        <p:nvCxnSpPr>
+          <p:cNvPr id="21" name="Straight Connector 20">
+            <a:extLst>
+              <a:ext uri="{FF2B5EF4-FFF2-40B4-BE49-F238E27FC236}">
+                <a16:creationId xmlns:a16="http://schemas.microsoft.com/office/drawing/2014/main" id="{A9B47255-8711-504A-A255-68FDBF8B470D}"/>
+              </a:ext>
+            </a:extLst>
+          </p:cNvPr>
+          <p:cNvCxnSpPr>
+            <a:cxnSpLocks/>
+          </p:cNvCxnSpPr>
+          <p:nvPr/>
+        </p:nvCxnSpPr>
+        <p:spPr>
+          <a:xfrm>
+            <a:off x="3037780" y="1993663"/>
             <a:ext cx="515639" cy="0"/>
           </a:xfrm>
           <a:prstGeom prst="line">
@@ -6482,6 +5539,941 @@
           </a:fontRef>
         </p:style>
       </p:cxnSp>
+      <p:cxnSp>
+        <p:nvCxnSpPr>
+          <p:cNvPr id="22" name="Straight Connector 21">
+            <a:extLst>
+              <a:ext uri="{FF2B5EF4-FFF2-40B4-BE49-F238E27FC236}">
+                <a16:creationId xmlns:a16="http://schemas.microsoft.com/office/drawing/2014/main" id="{979275F3-FBBD-3E4C-BBF3-915F1C90CEAB}"/>
+              </a:ext>
+            </a:extLst>
+          </p:cNvPr>
+          <p:cNvCxnSpPr>
+            <a:cxnSpLocks/>
+          </p:cNvCxnSpPr>
+          <p:nvPr/>
+        </p:nvCxnSpPr>
+        <p:spPr>
+          <a:xfrm>
+            <a:off x="3037780" y="3429000"/>
+            <a:ext cx="3344434" cy="0"/>
+          </a:xfrm>
+          <a:prstGeom prst="line">
+            <a:avLst/>
+          </a:prstGeom>
+          <a:ln w="12700">
+            <a:solidFill>
+              <a:schemeClr val="bg1">
+                <a:lumMod val="65000"/>
+              </a:schemeClr>
+            </a:solidFill>
+            <a:prstDash val="dash"/>
+          </a:ln>
+          <a:effectLst>
+            <a:outerShdw blurRad="50800" dist="38100" dir="5400000" algn="t" rotWithShape="0">
+              <a:prstClr val="black">
+                <a:alpha val="40000"/>
+              </a:prstClr>
+            </a:outerShdw>
+          </a:effectLst>
+        </p:spPr>
+        <p:style>
+          <a:lnRef idx="1">
+            <a:schemeClr val="accent1"/>
+          </a:lnRef>
+          <a:fillRef idx="0">
+            <a:schemeClr val="accent1"/>
+          </a:fillRef>
+          <a:effectRef idx="0">
+            <a:schemeClr val="accent1"/>
+          </a:effectRef>
+          <a:fontRef idx="minor">
+            <a:schemeClr val="tx1"/>
+          </a:fontRef>
+        </p:style>
+      </p:cxnSp>
+      <p:cxnSp>
+        <p:nvCxnSpPr>
+          <p:cNvPr id="23" name="Straight Connector 22">
+            <a:extLst>
+              <a:ext uri="{FF2B5EF4-FFF2-40B4-BE49-F238E27FC236}">
+                <a16:creationId xmlns:a16="http://schemas.microsoft.com/office/drawing/2014/main" id="{DBAB4D61-28B0-B240-A3E2-6685C920A010}"/>
+              </a:ext>
+            </a:extLst>
+          </p:cNvPr>
+          <p:cNvCxnSpPr>
+            <a:cxnSpLocks/>
+          </p:cNvCxnSpPr>
+          <p:nvPr/>
+        </p:nvCxnSpPr>
+        <p:spPr>
+          <a:xfrm>
+            <a:off x="3030346" y="3786279"/>
+            <a:ext cx="4017225" cy="0"/>
+          </a:xfrm>
+          <a:prstGeom prst="line">
+            <a:avLst/>
+          </a:prstGeom>
+          <a:ln w="12700">
+            <a:solidFill>
+              <a:schemeClr val="bg1">
+                <a:lumMod val="65000"/>
+              </a:schemeClr>
+            </a:solidFill>
+            <a:prstDash val="dash"/>
+          </a:ln>
+          <a:effectLst>
+            <a:outerShdw blurRad="50800" dist="38100" dir="5400000" algn="t" rotWithShape="0">
+              <a:prstClr val="black">
+                <a:alpha val="40000"/>
+              </a:prstClr>
+            </a:outerShdw>
+          </a:effectLst>
+        </p:spPr>
+        <p:style>
+          <a:lnRef idx="1">
+            <a:schemeClr val="accent1"/>
+          </a:lnRef>
+          <a:fillRef idx="0">
+            <a:schemeClr val="accent1"/>
+          </a:fillRef>
+          <a:effectRef idx="0">
+            <a:schemeClr val="accent1"/>
+          </a:effectRef>
+          <a:fontRef idx="minor">
+            <a:schemeClr val="tx1"/>
+          </a:fontRef>
+        </p:style>
+      </p:cxnSp>
+      <p:cxnSp>
+        <p:nvCxnSpPr>
+          <p:cNvPr id="24" name="Straight Connector 23">
+            <a:extLst>
+              <a:ext uri="{FF2B5EF4-FFF2-40B4-BE49-F238E27FC236}">
+                <a16:creationId xmlns:a16="http://schemas.microsoft.com/office/drawing/2014/main" id="{AA8C9A96-D288-A743-8753-25B96D147227}"/>
+              </a:ext>
+            </a:extLst>
+          </p:cNvPr>
+          <p:cNvCxnSpPr>
+            <a:cxnSpLocks/>
+          </p:cNvCxnSpPr>
+          <p:nvPr/>
+        </p:nvCxnSpPr>
+        <p:spPr>
+          <a:xfrm>
+            <a:off x="3030346" y="4140201"/>
+            <a:ext cx="4211967" cy="0"/>
+          </a:xfrm>
+          <a:prstGeom prst="line">
+            <a:avLst/>
+          </a:prstGeom>
+          <a:ln w="12700">
+            <a:solidFill>
+              <a:schemeClr val="bg1">
+                <a:lumMod val="65000"/>
+              </a:schemeClr>
+            </a:solidFill>
+            <a:prstDash val="dash"/>
+          </a:ln>
+          <a:effectLst>
+            <a:outerShdw blurRad="50800" dist="38100" dir="5400000" algn="t" rotWithShape="0">
+              <a:prstClr val="black">
+                <a:alpha val="40000"/>
+              </a:prstClr>
+            </a:outerShdw>
+          </a:effectLst>
+        </p:spPr>
+        <p:style>
+          <a:lnRef idx="1">
+            <a:schemeClr val="accent1"/>
+          </a:lnRef>
+          <a:fillRef idx="0">
+            <a:schemeClr val="accent1"/>
+          </a:fillRef>
+          <a:effectRef idx="0">
+            <a:schemeClr val="accent1"/>
+          </a:effectRef>
+          <a:fontRef idx="minor">
+            <a:schemeClr val="tx1"/>
+          </a:fontRef>
+        </p:style>
+      </p:cxnSp>
+      <p:cxnSp>
+        <p:nvCxnSpPr>
+          <p:cNvPr id="26" name="Straight Connector 25">
+            <a:extLst>
+              <a:ext uri="{FF2B5EF4-FFF2-40B4-BE49-F238E27FC236}">
+                <a16:creationId xmlns:a16="http://schemas.microsoft.com/office/drawing/2014/main" id="{56B6A87F-8A28-C24A-AAC1-18D249D4E5FE}"/>
+              </a:ext>
+            </a:extLst>
+          </p:cNvPr>
+          <p:cNvCxnSpPr>
+            <a:cxnSpLocks/>
+          </p:cNvCxnSpPr>
+          <p:nvPr/>
+        </p:nvCxnSpPr>
+        <p:spPr>
+          <a:xfrm>
+            <a:off x="3030346" y="4493323"/>
+            <a:ext cx="4522747" cy="0"/>
+          </a:xfrm>
+          <a:prstGeom prst="line">
+            <a:avLst/>
+          </a:prstGeom>
+          <a:ln w="12700">
+            <a:solidFill>
+              <a:schemeClr val="bg1">
+                <a:lumMod val="65000"/>
+              </a:schemeClr>
+            </a:solidFill>
+            <a:prstDash val="dash"/>
+          </a:ln>
+          <a:effectLst>
+            <a:outerShdw blurRad="50800" dist="38100" dir="5400000" algn="t" rotWithShape="0">
+              <a:prstClr val="black">
+                <a:alpha val="40000"/>
+              </a:prstClr>
+            </a:outerShdw>
+          </a:effectLst>
+        </p:spPr>
+        <p:style>
+          <a:lnRef idx="1">
+            <a:schemeClr val="accent1"/>
+          </a:lnRef>
+          <a:fillRef idx="0">
+            <a:schemeClr val="accent1"/>
+          </a:fillRef>
+          <a:effectRef idx="0">
+            <a:schemeClr val="accent1"/>
+          </a:effectRef>
+          <a:fontRef idx="minor">
+            <a:schemeClr val="tx1"/>
+          </a:fontRef>
+        </p:style>
+      </p:cxnSp>
+      <p:cxnSp>
+        <p:nvCxnSpPr>
+          <p:cNvPr id="28" name="Straight Connector 27">
+            <a:extLst>
+              <a:ext uri="{FF2B5EF4-FFF2-40B4-BE49-F238E27FC236}">
+                <a16:creationId xmlns:a16="http://schemas.microsoft.com/office/drawing/2014/main" id="{6DAC5100-047E-AD45-8299-1F3F85B5DA8E}"/>
+              </a:ext>
+            </a:extLst>
+          </p:cNvPr>
+          <p:cNvCxnSpPr>
+            <a:cxnSpLocks/>
+          </p:cNvCxnSpPr>
+          <p:nvPr/>
+        </p:nvCxnSpPr>
+        <p:spPr>
+          <a:xfrm>
+            <a:off x="3030345" y="4860913"/>
+            <a:ext cx="4522747" cy="0"/>
+          </a:xfrm>
+          <a:prstGeom prst="line">
+            <a:avLst/>
+          </a:prstGeom>
+          <a:ln w="12700">
+            <a:solidFill>
+              <a:schemeClr val="bg1">
+                <a:lumMod val="65000"/>
+              </a:schemeClr>
+            </a:solidFill>
+            <a:prstDash val="dash"/>
+          </a:ln>
+          <a:effectLst>
+            <a:outerShdw blurRad="50800" dist="38100" dir="5400000" algn="t" rotWithShape="0">
+              <a:prstClr val="black">
+                <a:alpha val="40000"/>
+              </a:prstClr>
+            </a:outerShdw>
+          </a:effectLst>
+        </p:spPr>
+        <p:style>
+          <a:lnRef idx="1">
+            <a:schemeClr val="accent1"/>
+          </a:lnRef>
+          <a:fillRef idx="0">
+            <a:schemeClr val="accent1"/>
+          </a:fillRef>
+          <a:effectRef idx="0">
+            <a:schemeClr val="accent1"/>
+          </a:effectRef>
+          <a:fontRef idx="minor">
+            <a:schemeClr val="tx1"/>
+          </a:fontRef>
+        </p:style>
+      </p:cxnSp>
+      <p:cxnSp>
+        <p:nvCxnSpPr>
+          <p:cNvPr id="29" name="Straight Connector 28">
+            <a:extLst>
+              <a:ext uri="{FF2B5EF4-FFF2-40B4-BE49-F238E27FC236}">
+                <a16:creationId xmlns:a16="http://schemas.microsoft.com/office/drawing/2014/main" id="{D3628052-FCF7-4342-B6F8-A39F76786C64}"/>
+              </a:ext>
+            </a:extLst>
+          </p:cNvPr>
+          <p:cNvCxnSpPr>
+            <a:cxnSpLocks/>
+          </p:cNvCxnSpPr>
+          <p:nvPr/>
+        </p:nvCxnSpPr>
+        <p:spPr>
+          <a:xfrm>
+            <a:off x="3037780" y="5214035"/>
+            <a:ext cx="4950813" cy="0"/>
+          </a:xfrm>
+          <a:prstGeom prst="line">
+            <a:avLst/>
+          </a:prstGeom>
+          <a:ln w="12700">
+            <a:solidFill>
+              <a:schemeClr val="bg1">
+                <a:lumMod val="65000"/>
+              </a:schemeClr>
+            </a:solidFill>
+            <a:prstDash val="dash"/>
+          </a:ln>
+          <a:effectLst>
+            <a:outerShdw blurRad="50800" dist="38100" dir="5400000" algn="t" rotWithShape="0">
+              <a:prstClr val="black">
+                <a:alpha val="40000"/>
+              </a:prstClr>
+            </a:outerShdw>
+          </a:effectLst>
+        </p:spPr>
+        <p:style>
+          <a:lnRef idx="1">
+            <a:schemeClr val="accent1"/>
+          </a:lnRef>
+          <a:fillRef idx="0">
+            <a:schemeClr val="accent1"/>
+          </a:fillRef>
+          <a:effectRef idx="0">
+            <a:schemeClr val="accent1"/>
+          </a:effectRef>
+          <a:fontRef idx="minor">
+            <a:schemeClr val="tx1"/>
+          </a:fontRef>
+        </p:style>
+      </p:cxnSp>
+      <p:cxnSp>
+        <p:nvCxnSpPr>
+          <p:cNvPr id="31" name="Straight Connector 30">
+            <a:extLst>
+              <a:ext uri="{FF2B5EF4-FFF2-40B4-BE49-F238E27FC236}">
+                <a16:creationId xmlns:a16="http://schemas.microsoft.com/office/drawing/2014/main" id="{6A7F3AF7-7335-3541-AE30-DF07D95A1047}"/>
+              </a:ext>
+            </a:extLst>
+          </p:cNvPr>
+          <p:cNvCxnSpPr>
+            <a:cxnSpLocks/>
+          </p:cNvCxnSpPr>
+          <p:nvPr/>
+        </p:nvCxnSpPr>
+        <p:spPr>
+          <a:xfrm>
+            <a:off x="3030345" y="5574191"/>
+            <a:ext cx="4950813" cy="0"/>
+          </a:xfrm>
+          <a:prstGeom prst="line">
+            <a:avLst/>
+          </a:prstGeom>
+          <a:ln w="12700">
+            <a:solidFill>
+              <a:schemeClr val="bg1">
+                <a:lumMod val="65000"/>
+              </a:schemeClr>
+            </a:solidFill>
+            <a:prstDash val="dash"/>
+          </a:ln>
+          <a:effectLst>
+            <a:outerShdw blurRad="50800" dist="38100" dir="5400000" algn="t" rotWithShape="0">
+              <a:prstClr val="black">
+                <a:alpha val="40000"/>
+              </a:prstClr>
+            </a:outerShdw>
+          </a:effectLst>
+        </p:spPr>
+        <p:style>
+          <a:lnRef idx="1">
+            <a:schemeClr val="accent1"/>
+          </a:lnRef>
+          <a:fillRef idx="0">
+            <a:schemeClr val="accent1"/>
+          </a:fillRef>
+          <a:effectRef idx="0">
+            <a:schemeClr val="accent1"/>
+          </a:effectRef>
+          <a:fontRef idx="minor">
+            <a:schemeClr val="tx1"/>
+          </a:fontRef>
+        </p:style>
+      </p:cxnSp>
+      <p:cxnSp>
+        <p:nvCxnSpPr>
+          <p:cNvPr id="32" name="Straight Connector 31">
+            <a:extLst>
+              <a:ext uri="{FF2B5EF4-FFF2-40B4-BE49-F238E27FC236}">
+                <a16:creationId xmlns:a16="http://schemas.microsoft.com/office/drawing/2014/main" id="{1183139B-C548-204E-B764-01CE7A65A488}"/>
+              </a:ext>
+            </a:extLst>
+          </p:cNvPr>
+          <p:cNvCxnSpPr>
+            <a:cxnSpLocks/>
+          </p:cNvCxnSpPr>
+          <p:nvPr/>
+        </p:nvCxnSpPr>
+        <p:spPr>
+          <a:xfrm>
+            <a:off x="3030344" y="5928113"/>
+            <a:ext cx="5793988" cy="0"/>
+          </a:xfrm>
+          <a:prstGeom prst="line">
+            <a:avLst/>
+          </a:prstGeom>
+          <a:ln w="12700">
+            <a:solidFill>
+              <a:schemeClr val="bg1">
+                <a:lumMod val="65000"/>
+              </a:schemeClr>
+            </a:solidFill>
+            <a:prstDash val="dash"/>
+          </a:ln>
+          <a:effectLst>
+            <a:outerShdw blurRad="50800" dist="38100" dir="5400000" algn="t" rotWithShape="0">
+              <a:prstClr val="black">
+                <a:alpha val="40000"/>
+              </a:prstClr>
+            </a:outerShdw>
+          </a:effectLst>
+        </p:spPr>
+        <p:style>
+          <a:lnRef idx="1">
+            <a:schemeClr val="accent1"/>
+          </a:lnRef>
+          <a:fillRef idx="0">
+            <a:schemeClr val="accent1"/>
+          </a:fillRef>
+          <a:effectRef idx="0">
+            <a:schemeClr val="accent1"/>
+          </a:effectRef>
+          <a:fontRef idx="minor">
+            <a:schemeClr val="tx1"/>
+          </a:fontRef>
+        </p:style>
+      </p:cxnSp>
+      <p:cxnSp>
+        <p:nvCxnSpPr>
+          <p:cNvPr id="34" name="Straight Connector 33">
+            <a:extLst>
+              <a:ext uri="{FF2B5EF4-FFF2-40B4-BE49-F238E27FC236}">
+                <a16:creationId xmlns:a16="http://schemas.microsoft.com/office/drawing/2014/main" id="{E1241331-8783-F54A-86AD-CBC3F64C12CE}"/>
+              </a:ext>
+            </a:extLst>
+          </p:cNvPr>
+          <p:cNvCxnSpPr>
+            <a:cxnSpLocks/>
+          </p:cNvCxnSpPr>
+          <p:nvPr/>
+        </p:nvCxnSpPr>
+        <p:spPr>
+          <a:xfrm>
+            <a:off x="3043769" y="2346785"/>
+            <a:ext cx="762514" cy="0"/>
+          </a:xfrm>
+          <a:prstGeom prst="line">
+            <a:avLst/>
+          </a:prstGeom>
+          <a:ln w="12700">
+            <a:solidFill>
+              <a:schemeClr val="bg1">
+                <a:lumMod val="65000"/>
+              </a:schemeClr>
+            </a:solidFill>
+            <a:prstDash val="dash"/>
+          </a:ln>
+          <a:effectLst>
+            <a:outerShdw blurRad="50800" dist="38100" dir="5400000" algn="t" rotWithShape="0">
+              <a:prstClr val="black">
+                <a:alpha val="40000"/>
+              </a:prstClr>
+            </a:outerShdw>
+          </a:effectLst>
+        </p:spPr>
+        <p:style>
+          <a:lnRef idx="1">
+            <a:schemeClr val="accent1"/>
+          </a:lnRef>
+          <a:fillRef idx="0">
+            <a:schemeClr val="accent1"/>
+          </a:fillRef>
+          <a:effectRef idx="0">
+            <a:schemeClr val="accent1"/>
+          </a:effectRef>
+          <a:fontRef idx="minor">
+            <a:schemeClr val="tx1"/>
+          </a:fontRef>
+        </p:style>
+      </p:cxnSp>
+      <p:cxnSp>
+        <p:nvCxnSpPr>
+          <p:cNvPr id="36" name="Straight Connector 35">
+            <a:extLst>
+              <a:ext uri="{FF2B5EF4-FFF2-40B4-BE49-F238E27FC236}">
+                <a16:creationId xmlns:a16="http://schemas.microsoft.com/office/drawing/2014/main" id="{046915CF-8968-7148-B495-A637BE748F30}"/>
+              </a:ext>
+            </a:extLst>
+          </p:cNvPr>
+          <p:cNvCxnSpPr>
+            <a:cxnSpLocks/>
+          </p:cNvCxnSpPr>
+          <p:nvPr/>
+        </p:nvCxnSpPr>
+        <p:spPr>
+          <a:xfrm>
+            <a:off x="3030344" y="2708142"/>
+            <a:ext cx="2560134" cy="0"/>
+          </a:xfrm>
+          <a:prstGeom prst="line">
+            <a:avLst/>
+          </a:prstGeom>
+          <a:ln w="12700">
+            <a:solidFill>
+              <a:schemeClr val="bg1">
+                <a:lumMod val="65000"/>
+              </a:schemeClr>
+            </a:solidFill>
+            <a:prstDash val="dash"/>
+          </a:ln>
+          <a:effectLst>
+            <a:outerShdw blurRad="50800" dist="38100" dir="5400000" algn="t" rotWithShape="0">
+              <a:prstClr val="black">
+                <a:alpha val="40000"/>
+              </a:prstClr>
+            </a:outerShdw>
+          </a:effectLst>
+        </p:spPr>
+        <p:style>
+          <a:lnRef idx="1">
+            <a:schemeClr val="accent1"/>
+          </a:lnRef>
+          <a:fillRef idx="0">
+            <a:schemeClr val="accent1"/>
+          </a:fillRef>
+          <a:effectRef idx="0">
+            <a:schemeClr val="accent1"/>
+          </a:effectRef>
+          <a:fontRef idx="minor">
+            <a:schemeClr val="tx1"/>
+          </a:fontRef>
+        </p:style>
+      </p:cxnSp>
+      <p:sp>
+        <p:nvSpPr>
+          <p:cNvPr id="41" name="Diamond 40">
+            <a:extLst>
+              <a:ext uri="{FF2B5EF4-FFF2-40B4-BE49-F238E27FC236}">
+                <a16:creationId xmlns:a16="http://schemas.microsoft.com/office/drawing/2014/main" id="{973A71E1-E978-6543-9338-48D1C6683D47}"/>
+              </a:ext>
+            </a:extLst>
+          </p:cNvPr>
+          <p:cNvSpPr>
+            <a:spLocks noChangeAspect="1"/>
+          </p:cNvSpPr>
+          <p:nvPr/>
+        </p:nvSpPr>
+        <p:spPr>
+          <a:xfrm>
+            <a:off x="5440430" y="2248763"/>
+            <a:ext cx="210312" cy="204574"/>
+          </a:xfrm>
+          <a:prstGeom prst="diamond">
+            <a:avLst/>
+          </a:prstGeom>
+          <a:gradFill>
+            <a:gsLst>
+              <a:gs pos="0">
+                <a:schemeClr val="bg1"/>
+              </a:gs>
+              <a:gs pos="63000">
+                <a:srgbClr val="FFCC1D"/>
+              </a:gs>
+              <a:gs pos="73000">
+                <a:schemeClr val="accent4">
+                  <a:satMod val="110000"/>
+                  <a:lumMod val="100000"/>
+                  <a:shade val="100000"/>
+                </a:schemeClr>
+              </a:gs>
+              <a:gs pos="100000">
+                <a:schemeClr val="accent4">
+                  <a:lumMod val="99000"/>
+                  <a:satMod val="120000"/>
+                  <a:shade val="78000"/>
+                </a:schemeClr>
+              </a:gs>
+            </a:gsLst>
+            <a:lin ang="5400000" scaled="0"/>
+          </a:gradFill>
+          <a:ln>
+            <a:noFill/>
+          </a:ln>
+          <a:effectLst>
+            <a:outerShdw blurRad="50800" dist="50800" dir="5400000" sx="80000" sy="80000" algn="ctr" rotWithShape="0">
+              <a:srgbClr val="000000">
+                <a:alpha val="43137"/>
+              </a:srgbClr>
+            </a:outerShdw>
+          </a:effectLst>
+        </p:spPr>
+        <p:style>
+          <a:lnRef idx="3">
+            <a:schemeClr val="lt1"/>
+          </a:lnRef>
+          <a:fillRef idx="1">
+            <a:schemeClr val="accent4"/>
+          </a:fillRef>
+          <a:effectRef idx="1">
+            <a:schemeClr val="accent4"/>
+          </a:effectRef>
+          <a:fontRef idx="minor">
+            <a:schemeClr val="lt1"/>
+          </a:fontRef>
+        </p:style>
+        <p:txBody>
+          <a:bodyPr rtlCol="0" anchor="ctr"/>
+          <a:lstStyle/>
+          <a:p>
+            <a:pPr algn="ctr"/>
+            <a:endParaRPr lang="en-US"/>
+          </a:p>
+        </p:txBody>
+      </p:sp>
+      <p:sp>
+        <p:nvSpPr>
+          <p:cNvPr id="42" name="Diamond 41">
+            <a:extLst>
+              <a:ext uri="{FF2B5EF4-FFF2-40B4-BE49-F238E27FC236}">
+                <a16:creationId xmlns:a16="http://schemas.microsoft.com/office/drawing/2014/main" id="{D15BB40A-90D0-C04F-AD7F-E33A8CE376E7}"/>
+              </a:ext>
+            </a:extLst>
+          </p:cNvPr>
+          <p:cNvSpPr>
+            <a:spLocks noChangeAspect="1"/>
+          </p:cNvSpPr>
+          <p:nvPr/>
+        </p:nvSpPr>
+        <p:spPr>
+          <a:xfrm>
+            <a:off x="5990844" y="2606042"/>
+            <a:ext cx="210312" cy="204574"/>
+          </a:xfrm>
+          <a:prstGeom prst="diamond">
+            <a:avLst/>
+          </a:prstGeom>
+          <a:gradFill>
+            <a:gsLst>
+              <a:gs pos="0">
+                <a:schemeClr val="bg1"/>
+              </a:gs>
+              <a:gs pos="63000">
+                <a:srgbClr val="FFCC1D"/>
+              </a:gs>
+              <a:gs pos="73000">
+                <a:schemeClr val="accent4">
+                  <a:satMod val="110000"/>
+                  <a:lumMod val="100000"/>
+                  <a:shade val="100000"/>
+                </a:schemeClr>
+              </a:gs>
+              <a:gs pos="100000">
+                <a:schemeClr val="accent4">
+                  <a:lumMod val="99000"/>
+                  <a:satMod val="120000"/>
+                  <a:shade val="78000"/>
+                </a:schemeClr>
+              </a:gs>
+            </a:gsLst>
+            <a:lin ang="5400000" scaled="0"/>
+          </a:gradFill>
+          <a:ln>
+            <a:noFill/>
+          </a:ln>
+          <a:effectLst>
+            <a:outerShdw blurRad="50800" dist="50800" dir="5400000" sx="80000" sy="80000" algn="ctr" rotWithShape="0">
+              <a:srgbClr val="000000">
+                <a:alpha val="43137"/>
+              </a:srgbClr>
+            </a:outerShdw>
+          </a:effectLst>
+        </p:spPr>
+        <p:style>
+          <a:lnRef idx="3">
+            <a:schemeClr val="lt1"/>
+          </a:lnRef>
+          <a:fillRef idx="1">
+            <a:schemeClr val="accent4"/>
+          </a:fillRef>
+          <a:effectRef idx="1">
+            <a:schemeClr val="accent4"/>
+          </a:effectRef>
+          <a:fontRef idx="minor">
+            <a:schemeClr val="lt1"/>
+          </a:fontRef>
+        </p:style>
+        <p:txBody>
+          <a:bodyPr rtlCol="0" anchor="ctr"/>
+          <a:lstStyle/>
+          <a:p>
+            <a:pPr algn="ctr"/>
+            <a:endParaRPr lang="en-US"/>
+          </a:p>
+        </p:txBody>
+      </p:sp>
+      <p:sp>
+        <p:nvSpPr>
+          <p:cNvPr id="43" name="Diamond 42">
+            <a:extLst>
+              <a:ext uri="{FF2B5EF4-FFF2-40B4-BE49-F238E27FC236}">
+                <a16:creationId xmlns:a16="http://schemas.microsoft.com/office/drawing/2014/main" id="{4AF38520-C401-C44A-AF84-69E95EADF2D6}"/>
+              </a:ext>
+            </a:extLst>
+          </p:cNvPr>
+          <p:cNvSpPr>
+            <a:spLocks noChangeAspect="1"/>
+          </p:cNvSpPr>
+          <p:nvPr/>
+        </p:nvSpPr>
+        <p:spPr>
+          <a:xfrm>
+            <a:off x="8121403" y="3314129"/>
+            <a:ext cx="210312" cy="204574"/>
+          </a:xfrm>
+          <a:prstGeom prst="diamond">
+            <a:avLst/>
+          </a:prstGeom>
+          <a:gradFill>
+            <a:gsLst>
+              <a:gs pos="0">
+                <a:schemeClr val="bg1"/>
+              </a:gs>
+              <a:gs pos="63000">
+                <a:srgbClr val="FFCC1D"/>
+              </a:gs>
+              <a:gs pos="73000">
+                <a:schemeClr val="accent4">
+                  <a:satMod val="110000"/>
+                  <a:lumMod val="100000"/>
+                  <a:shade val="100000"/>
+                </a:schemeClr>
+              </a:gs>
+              <a:gs pos="100000">
+                <a:schemeClr val="accent4">
+                  <a:lumMod val="99000"/>
+                  <a:satMod val="120000"/>
+                  <a:shade val="78000"/>
+                </a:schemeClr>
+              </a:gs>
+            </a:gsLst>
+            <a:lin ang="5400000" scaled="0"/>
+          </a:gradFill>
+          <a:ln>
+            <a:noFill/>
+          </a:ln>
+          <a:effectLst>
+            <a:outerShdw blurRad="50800" dist="50800" dir="5400000" sx="80000" sy="80000" algn="ctr" rotWithShape="0">
+              <a:srgbClr val="000000">
+                <a:alpha val="43137"/>
+              </a:srgbClr>
+            </a:outerShdw>
+          </a:effectLst>
+        </p:spPr>
+        <p:style>
+          <a:lnRef idx="3">
+            <a:schemeClr val="lt1"/>
+          </a:lnRef>
+          <a:fillRef idx="1">
+            <a:schemeClr val="accent4"/>
+          </a:fillRef>
+          <a:effectRef idx="1">
+            <a:schemeClr val="accent4"/>
+          </a:effectRef>
+          <a:fontRef idx="minor">
+            <a:schemeClr val="lt1"/>
+          </a:fontRef>
+        </p:style>
+        <p:txBody>
+          <a:bodyPr rtlCol="0" anchor="ctr"/>
+          <a:lstStyle/>
+          <a:p>
+            <a:pPr algn="ctr"/>
+            <a:endParaRPr lang="en-US"/>
+          </a:p>
+        </p:txBody>
+      </p:sp>
+      <p:sp>
+        <p:nvSpPr>
+          <p:cNvPr id="44" name="Diamond 43">
+            <a:extLst>
+              <a:ext uri="{FF2B5EF4-FFF2-40B4-BE49-F238E27FC236}">
+                <a16:creationId xmlns:a16="http://schemas.microsoft.com/office/drawing/2014/main" id="{01B0C1D4-CEC1-9C41-8F2E-BD96EBCE0E10}"/>
+              </a:ext>
+            </a:extLst>
+          </p:cNvPr>
+          <p:cNvSpPr>
+            <a:spLocks noChangeAspect="1"/>
+          </p:cNvSpPr>
+          <p:nvPr/>
+        </p:nvSpPr>
+        <p:spPr>
+          <a:xfrm>
+            <a:off x="7238613" y="4037115"/>
+            <a:ext cx="210312" cy="204574"/>
+          </a:xfrm>
+          <a:prstGeom prst="diamond">
+            <a:avLst/>
+          </a:prstGeom>
+          <a:gradFill>
+            <a:gsLst>
+              <a:gs pos="0">
+                <a:schemeClr val="bg1"/>
+              </a:gs>
+              <a:gs pos="63000">
+                <a:srgbClr val="FFCC1D"/>
+              </a:gs>
+              <a:gs pos="73000">
+                <a:schemeClr val="accent4">
+                  <a:satMod val="110000"/>
+                  <a:lumMod val="100000"/>
+                  <a:shade val="100000"/>
+                </a:schemeClr>
+              </a:gs>
+              <a:gs pos="100000">
+                <a:schemeClr val="accent4">
+                  <a:lumMod val="99000"/>
+                  <a:satMod val="120000"/>
+                  <a:shade val="78000"/>
+                </a:schemeClr>
+              </a:gs>
+            </a:gsLst>
+            <a:lin ang="5400000" scaled="0"/>
+          </a:gradFill>
+          <a:ln>
+            <a:noFill/>
+          </a:ln>
+          <a:effectLst>
+            <a:outerShdw blurRad="50800" dist="50800" dir="5400000" sx="80000" sy="80000" algn="ctr" rotWithShape="0">
+              <a:srgbClr val="000000">
+                <a:alpha val="43137"/>
+              </a:srgbClr>
+            </a:outerShdw>
+          </a:effectLst>
+        </p:spPr>
+        <p:style>
+          <a:lnRef idx="3">
+            <a:schemeClr val="lt1"/>
+          </a:lnRef>
+          <a:fillRef idx="1">
+            <a:schemeClr val="accent4"/>
+          </a:fillRef>
+          <a:effectRef idx="1">
+            <a:schemeClr val="accent4"/>
+          </a:effectRef>
+          <a:fontRef idx="minor">
+            <a:schemeClr val="lt1"/>
+          </a:fontRef>
+        </p:style>
+        <p:txBody>
+          <a:bodyPr rtlCol="0" anchor="ctr"/>
+          <a:lstStyle/>
+          <a:p>
+            <a:pPr algn="ctr"/>
+            <a:endParaRPr lang="en-US"/>
+          </a:p>
+        </p:txBody>
+      </p:sp>
+      <p:sp>
+        <p:nvSpPr>
+          <p:cNvPr id="45" name="Diamond 44">
+            <a:extLst>
+              <a:ext uri="{FF2B5EF4-FFF2-40B4-BE49-F238E27FC236}">
+                <a16:creationId xmlns:a16="http://schemas.microsoft.com/office/drawing/2014/main" id="{04BC766C-D31C-AB4D-BD3A-B1D666EE3ADF}"/>
+              </a:ext>
+            </a:extLst>
+          </p:cNvPr>
+          <p:cNvSpPr>
+            <a:spLocks noChangeAspect="1"/>
+          </p:cNvSpPr>
+          <p:nvPr/>
+        </p:nvSpPr>
+        <p:spPr>
+          <a:xfrm>
+            <a:off x="6405952" y="3320520"/>
+            <a:ext cx="210312" cy="204574"/>
+          </a:xfrm>
+          <a:prstGeom prst="diamond">
+            <a:avLst/>
+          </a:prstGeom>
+          <a:gradFill>
+            <a:gsLst>
+              <a:gs pos="0">
+                <a:schemeClr val="bg1"/>
+              </a:gs>
+              <a:gs pos="63000">
+                <a:srgbClr val="FFCC1D"/>
+              </a:gs>
+              <a:gs pos="73000">
+                <a:schemeClr val="accent4">
+                  <a:satMod val="110000"/>
+                  <a:lumMod val="100000"/>
+                  <a:shade val="100000"/>
+                </a:schemeClr>
+              </a:gs>
+              <a:gs pos="100000">
+                <a:schemeClr val="accent4">
+                  <a:lumMod val="99000"/>
+                  <a:satMod val="120000"/>
+                  <a:shade val="78000"/>
+                </a:schemeClr>
+              </a:gs>
+            </a:gsLst>
+            <a:lin ang="5400000" scaled="0"/>
+          </a:gradFill>
+          <a:ln>
+            <a:noFill/>
+          </a:ln>
+          <a:effectLst>
+            <a:outerShdw blurRad="50800" dist="50800" dir="5400000" sx="80000" sy="80000" algn="ctr" rotWithShape="0">
+              <a:srgbClr val="000000">
+                <a:alpha val="43137"/>
+              </a:srgbClr>
+            </a:outerShdw>
+          </a:effectLst>
+        </p:spPr>
+        <p:style>
+          <a:lnRef idx="3">
+            <a:schemeClr val="lt1"/>
+          </a:lnRef>
+          <a:fillRef idx="1">
+            <a:schemeClr val="accent4"/>
+          </a:fillRef>
+          <a:effectRef idx="1">
+            <a:schemeClr val="accent4"/>
+          </a:effectRef>
+          <a:fontRef idx="minor">
+            <a:schemeClr val="lt1"/>
+          </a:fontRef>
+        </p:style>
+        <p:txBody>
+          <a:bodyPr rtlCol="0" anchor="ctr"/>
+          <a:lstStyle/>
+          <a:p>
+            <a:pPr algn="ctr"/>
+            <a:endParaRPr lang="en-US"/>
+          </a:p>
+        </p:txBody>
+      </p:sp>
     </p:spTree>
     <p:extLst>
       <p:ext uri="{BB962C8B-B14F-4D97-AF65-F5344CB8AC3E}">
